--- a/Individual Digital solution.pptx
+++ b/Individual Digital solution.pptx
@@ -5,10 +5,10 @@
     <p:sldMasterId id="2147483648" r:id="rId4"/>
   </p:sldMasterIdLst>
   <p:notesMasterIdLst>
-    <p:notesMasterId r:id="rId18"/>
+    <p:notesMasterId r:id="rId20"/>
   </p:notesMasterIdLst>
   <p:handoutMasterIdLst>
-    <p:handoutMasterId r:id="rId19"/>
+    <p:handoutMasterId r:id="rId21"/>
   </p:handoutMasterIdLst>
   <p:sldIdLst>
     <p:sldId id="2448" r:id="rId5"/>
@@ -22,8 +22,10 @@
     <p:sldId id="2466" r:id="rId13"/>
     <p:sldId id="2467" r:id="rId14"/>
     <p:sldId id="2468" r:id="rId15"/>
-    <p:sldId id="2471" r:id="rId16"/>
-    <p:sldId id="265" r:id="rId17"/>
+    <p:sldId id="2472" r:id="rId16"/>
+    <p:sldId id="2473" r:id="rId17"/>
+    <p:sldId id="2471" r:id="rId18"/>
+    <p:sldId id="265" r:id="rId19"/>
   </p:sldIdLst>
   <p:sldSz cx="12192000" cy="6858000"/>
   <p:notesSz cx="6858000" cy="9144000"/>
@@ -149,6 +151,524 @@
 </p:presentation>
 </file>
 
+<file path=ppt/revisionInfo.xml><?xml version="1.0" encoding="utf-8"?>
+<p1510:revInfo xmlns:a="http://schemas.openxmlformats.org/drawingml/2006/main" xmlns:r="http://schemas.openxmlformats.org/officeDocument/2006/relationships" xmlns:p1510="http://schemas.microsoft.com/office/powerpoint/2015/10/main">
+  <p1510:revLst>
+    <p1510:client id="{EDF30C08-90E4-48D5-A003-A2148E0B2B04}" v="20" dt="2023-10-21T05:07:36.434"/>
+  </p1510:revLst>
+</p1510:revInfo>
+</file>
+
+<file path=ppt/changesInfos/changesInfo1.xml><?xml version="1.0" encoding="utf-8"?>
+<pc:chgInfo xmlns:a="http://schemas.openxmlformats.org/drawingml/2006/main" xmlns:r="http://schemas.openxmlformats.org/officeDocument/2006/relationships" xmlns:ac="http://schemas.microsoft.com/office/drawing/2013/main/command" xmlns:pc="http://schemas.microsoft.com/office/powerpoint/2013/main/command">
+  <pc:docChgLst>
+    <pc:chgData name="Noah Casey" userId="0f1561b0-985a-425f-b941-4ea07dfff7cd" providerId="ADAL" clId="{EDF30C08-90E4-48D5-A003-A2148E0B2B04}"/>
+    <pc:docChg chg="undo custSel addSld modSld">
+      <pc:chgData name="Noah Casey" userId="0f1561b0-985a-425f-b941-4ea07dfff7cd" providerId="ADAL" clId="{EDF30C08-90E4-48D5-A003-A2148E0B2B04}" dt="2023-10-21T05:07:47.068" v="518" actId="478"/>
+      <pc:docMkLst>
+        <pc:docMk/>
+      </pc:docMkLst>
+      <pc:sldChg chg="addSp delSp modSp mod">
+        <pc:chgData name="Noah Casey" userId="0f1561b0-985a-425f-b941-4ea07dfff7cd" providerId="ADAL" clId="{EDF30C08-90E4-48D5-A003-A2148E0B2B04}" dt="2023-10-21T02:08:46.724" v="60" actId="478"/>
+        <pc:sldMkLst>
+          <pc:docMk/>
+          <pc:sldMk cId="2651056950" sldId="261"/>
+        </pc:sldMkLst>
+        <pc:spChg chg="add del mod">
+          <ac:chgData name="Noah Casey" userId="0f1561b0-985a-425f-b941-4ea07dfff7cd" providerId="ADAL" clId="{EDF30C08-90E4-48D5-A003-A2148E0B2B04}" dt="2023-10-21T02:08:46.724" v="60" actId="478"/>
+          <ac:spMkLst>
+            <pc:docMk/>
+            <pc:sldMk cId="2651056950" sldId="261"/>
+            <ac:spMk id="6" creationId="{E725BA23-1A14-86FF-A60E-1E8FE1DD1B4A}"/>
+          </ac:spMkLst>
+        </pc:spChg>
+      </pc:sldChg>
+      <pc:sldChg chg="addSp delSp modSp mod setBg">
+        <pc:chgData name="Noah Casey" userId="0f1561b0-985a-425f-b941-4ea07dfff7cd" providerId="ADAL" clId="{EDF30C08-90E4-48D5-A003-A2148E0B2B04}" dt="2023-10-21T03:56:24.896" v="216" actId="26606"/>
+        <pc:sldMkLst>
+          <pc:docMk/>
+          <pc:sldMk cId="120707994" sldId="2466"/>
+        </pc:sldMkLst>
+        <pc:spChg chg="mod">
+          <ac:chgData name="Noah Casey" userId="0f1561b0-985a-425f-b941-4ea07dfff7cd" providerId="ADAL" clId="{EDF30C08-90E4-48D5-A003-A2148E0B2B04}" dt="2023-10-21T03:56:24.896" v="216" actId="26606"/>
+          <ac:spMkLst>
+            <pc:docMk/>
+            <pc:sldMk cId="120707994" sldId="2466"/>
+            <ac:spMk id="2" creationId="{404D0C37-A50C-6BAF-546C-3F80B7B717B9}"/>
+          </ac:spMkLst>
+        </pc:spChg>
+        <pc:spChg chg="add del">
+          <ac:chgData name="Noah Casey" userId="0f1561b0-985a-425f-b941-4ea07dfff7cd" providerId="ADAL" clId="{EDF30C08-90E4-48D5-A003-A2148E0B2B04}" dt="2023-10-21T03:56:24.896" v="216" actId="26606"/>
+          <ac:spMkLst>
+            <pc:docMk/>
+            <pc:sldMk cId="120707994" sldId="2466"/>
+            <ac:spMk id="16" creationId="{D7CFE75F-6390-4A13-A32B-2AA295CCA277}"/>
+          </ac:spMkLst>
+        </pc:spChg>
+        <pc:grpChg chg="add del">
+          <ac:chgData name="Noah Casey" userId="0f1561b0-985a-425f-b941-4ea07dfff7cd" providerId="ADAL" clId="{EDF30C08-90E4-48D5-A003-A2148E0B2B04}" dt="2023-10-21T03:56:24.896" v="216" actId="26606"/>
+          <ac:grpSpMkLst>
+            <pc:docMk/>
+            <pc:sldMk cId="120707994" sldId="2466"/>
+            <ac:grpSpMk id="18" creationId="{B7BAEF06-AB74-442C-8C30-B88233FD836C}"/>
+          </ac:grpSpMkLst>
+        </pc:grpChg>
+        <pc:grpChg chg="add del">
+          <ac:chgData name="Noah Casey" userId="0f1561b0-985a-425f-b941-4ea07dfff7cd" providerId="ADAL" clId="{EDF30C08-90E4-48D5-A003-A2148E0B2B04}" dt="2023-10-21T03:56:24.896" v="216" actId="26606"/>
+          <ac:grpSpMkLst>
+            <pc:docMk/>
+            <pc:sldMk cId="120707994" sldId="2466"/>
+            <ac:grpSpMk id="26" creationId="{C9829185-6353-4E3C-B082-AA7F5193916F}"/>
+          </ac:grpSpMkLst>
+        </pc:grpChg>
+        <pc:picChg chg="add mod">
+          <ac:chgData name="Noah Casey" userId="0f1561b0-985a-425f-b941-4ea07dfff7cd" providerId="ADAL" clId="{EDF30C08-90E4-48D5-A003-A2148E0B2B04}" dt="2023-10-21T03:56:24.896" v="216" actId="26606"/>
+          <ac:picMkLst>
+            <pc:docMk/>
+            <pc:sldMk cId="120707994" sldId="2466"/>
+            <ac:picMk id="4" creationId="{011A09AD-19DD-B649-E7E2-F6C863CF5F06}"/>
+          </ac:picMkLst>
+        </pc:picChg>
+        <pc:picChg chg="del">
+          <ac:chgData name="Noah Casey" userId="0f1561b0-985a-425f-b941-4ea07dfff7cd" providerId="ADAL" clId="{EDF30C08-90E4-48D5-A003-A2148E0B2B04}" dt="2023-10-21T03:53:19.015" v="204" actId="478"/>
+          <ac:picMkLst>
+            <pc:docMk/>
+            <pc:sldMk cId="120707994" sldId="2466"/>
+            <ac:picMk id="6" creationId="{5BAA0CA4-D0C9-2F65-B686-3AE9359DF0AA}"/>
+          </ac:picMkLst>
+        </pc:picChg>
+        <pc:picChg chg="del">
+          <ac:chgData name="Noah Casey" userId="0f1561b0-985a-425f-b941-4ea07dfff7cd" providerId="ADAL" clId="{EDF30C08-90E4-48D5-A003-A2148E0B2B04}" dt="2023-10-21T03:43:57.386" v="201" actId="478"/>
+          <ac:picMkLst>
+            <pc:docMk/>
+            <pc:sldMk cId="120707994" sldId="2466"/>
+            <ac:picMk id="7" creationId="{368D6579-CFD3-85B3-3B41-A16F26BA6C6A}"/>
+          </ac:picMkLst>
+        </pc:picChg>
+        <pc:picChg chg="del mod">
+          <ac:chgData name="Noah Casey" userId="0f1561b0-985a-425f-b941-4ea07dfff7cd" providerId="ADAL" clId="{EDF30C08-90E4-48D5-A003-A2148E0B2B04}" dt="2023-10-21T03:55:34.932" v="209" actId="478"/>
+          <ac:picMkLst>
+            <pc:docMk/>
+            <pc:sldMk cId="120707994" sldId="2466"/>
+            <ac:picMk id="8" creationId="{32707295-AD3A-A215-2905-D0838D77314E}"/>
+          </ac:picMkLst>
+        </pc:picChg>
+        <pc:picChg chg="add mod">
+          <ac:chgData name="Noah Casey" userId="0f1561b0-985a-425f-b941-4ea07dfff7cd" providerId="ADAL" clId="{EDF30C08-90E4-48D5-A003-A2148E0B2B04}" dt="2023-10-21T03:56:24.896" v="216" actId="26606"/>
+          <ac:picMkLst>
+            <pc:docMk/>
+            <pc:sldMk cId="120707994" sldId="2466"/>
+            <ac:picMk id="9" creationId="{26D7B0D6-3F50-9D09-4DCE-D3E7A10E6B0E}"/>
+          </ac:picMkLst>
+        </pc:picChg>
+        <pc:picChg chg="add mod">
+          <ac:chgData name="Noah Casey" userId="0f1561b0-985a-425f-b941-4ea07dfff7cd" providerId="ADAL" clId="{EDF30C08-90E4-48D5-A003-A2148E0B2B04}" dt="2023-10-21T03:56:24.896" v="216" actId="26606"/>
+          <ac:picMkLst>
+            <pc:docMk/>
+            <pc:sldMk cId="120707994" sldId="2466"/>
+            <ac:picMk id="11" creationId="{442A53FD-176B-653F-FE7E-EC9E20DA7F13}"/>
+          </ac:picMkLst>
+        </pc:picChg>
+      </pc:sldChg>
+      <pc:sldChg chg="addSp delSp modSp mod">
+        <pc:chgData name="Noah Casey" userId="0f1561b0-985a-425f-b941-4ea07dfff7cd" providerId="ADAL" clId="{EDF30C08-90E4-48D5-A003-A2148E0B2B04}" dt="2023-10-21T04:14:43.575" v="230" actId="14100"/>
+        <pc:sldMkLst>
+          <pc:docMk/>
+          <pc:sldMk cId="1372888660" sldId="2467"/>
+        </pc:sldMkLst>
+        <pc:spChg chg="mod">
+          <ac:chgData name="Noah Casey" userId="0f1561b0-985a-425f-b941-4ea07dfff7cd" providerId="ADAL" clId="{EDF30C08-90E4-48D5-A003-A2148E0B2B04}" dt="2023-10-21T02:09:32.309" v="76" actId="14100"/>
+          <ac:spMkLst>
+            <pc:docMk/>
+            <pc:sldMk cId="1372888660" sldId="2467"/>
+            <ac:spMk id="2" creationId="{404D0C37-A50C-6BAF-546C-3F80B7B717B9}"/>
+          </ac:spMkLst>
+        </pc:spChg>
+        <pc:spChg chg="add mod">
+          <ac:chgData name="Noah Casey" userId="0f1561b0-985a-425f-b941-4ea07dfff7cd" providerId="ADAL" clId="{EDF30C08-90E4-48D5-A003-A2148E0B2B04}" dt="2023-10-21T02:09:03.439" v="64"/>
+          <ac:spMkLst>
+            <pc:docMk/>
+            <pc:sldMk cId="1372888660" sldId="2467"/>
+            <ac:spMk id="3" creationId="{5E0A7C29-1459-FA0C-51BD-9EAD5011820D}"/>
+          </ac:spMkLst>
+        </pc:spChg>
+        <pc:picChg chg="add mod">
+          <ac:chgData name="Noah Casey" userId="0f1561b0-985a-425f-b941-4ea07dfff7cd" providerId="ADAL" clId="{EDF30C08-90E4-48D5-A003-A2148E0B2B04}" dt="2023-10-21T04:00:08.981" v="226" actId="14100"/>
+          <ac:picMkLst>
+            <pc:docMk/>
+            <pc:sldMk cId="1372888660" sldId="2467"/>
+            <ac:picMk id="5" creationId="{EF812434-3238-F380-9DC2-9F6CFFEC566B}"/>
+          </ac:picMkLst>
+        </pc:picChg>
+        <pc:picChg chg="del mod">
+          <ac:chgData name="Noah Casey" userId="0f1561b0-985a-425f-b941-4ea07dfff7cd" providerId="ADAL" clId="{EDF30C08-90E4-48D5-A003-A2148E0B2B04}" dt="2023-10-21T04:00:03.403" v="223" actId="478"/>
+          <ac:picMkLst>
+            <pc:docMk/>
+            <pc:sldMk cId="1372888660" sldId="2467"/>
+            <ac:picMk id="6" creationId="{A1C2B3E8-8071-BD8A-5F91-BA2F62C85614}"/>
+          </ac:picMkLst>
+        </pc:picChg>
+        <pc:picChg chg="del mod">
+          <ac:chgData name="Noah Casey" userId="0f1561b0-985a-425f-b941-4ea07dfff7cd" providerId="ADAL" clId="{EDF30C08-90E4-48D5-A003-A2148E0B2B04}" dt="2023-10-21T04:14:36.992" v="227" actId="478"/>
+          <ac:picMkLst>
+            <pc:docMk/>
+            <pc:sldMk cId="1372888660" sldId="2467"/>
+            <ac:picMk id="8" creationId="{1471D4A4-1F5C-A55A-1071-7ECB56C03425}"/>
+          </ac:picMkLst>
+        </pc:picChg>
+        <pc:picChg chg="add mod">
+          <ac:chgData name="Noah Casey" userId="0f1561b0-985a-425f-b941-4ea07dfff7cd" providerId="ADAL" clId="{EDF30C08-90E4-48D5-A003-A2148E0B2B04}" dt="2023-10-21T04:14:43.575" v="230" actId="14100"/>
+          <ac:picMkLst>
+            <pc:docMk/>
+            <pc:sldMk cId="1372888660" sldId="2467"/>
+            <ac:picMk id="9" creationId="{C8D41A51-FED0-56E0-21F7-5A3A648C2C3F}"/>
+          </ac:picMkLst>
+        </pc:picChg>
+      </pc:sldChg>
+      <pc:sldChg chg="addSp delSp modSp mod">
+        <pc:chgData name="Noah Casey" userId="0f1561b0-985a-425f-b941-4ea07dfff7cd" providerId="ADAL" clId="{EDF30C08-90E4-48D5-A003-A2148E0B2B04}" dt="2023-10-21T02:05:58.434" v="58"/>
+        <pc:sldMkLst>
+          <pc:docMk/>
+          <pc:sldMk cId="3698040017" sldId="2468"/>
+        </pc:sldMkLst>
+        <pc:spChg chg="add mod">
+          <ac:chgData name="Noah Casey" userId="0f1561b0-985a-425f-b941-4ea07dfff7cd" providerId="ADAL" clId="{EDF30C08-90E4-48D5-A003-A2148E0B2B04}" dt="2023-10-21T02:05:58.434" v="58"/>
+          <ac:spMkLst>
+            <pc:docMk/>
+            <pc:sldMk cId="3698040017" sldId="2468"/>
+            <ac:spMk id="4" creationId="{C582E84D-5979-F6CA-8EA8-8553D8BEA99A}"/>
+          </ac:spMkLst>
+        </pc:spChg>
+        <pc:picChg chg="add del mod">
+          <ac:chgData name="Noah Casey" userId="0f1561b0-985a-425f-b941-4ea07dfff7cd" providerId="ADAL" clId="{EDF30C08-90E4-48D5-A003-A2148E0B2B04}" dt="2023-10-21T01:26:05.959" v="4" actId="478"/>
+          <ac:picMkLst>
+            <pc:docMk/>
+            <pc:sldMk cId="3698040017" sldId="2468"/>
+            <ac:picMk id="4" creationId="{B43025B0-4F84-1372-9FD1-2A6752A290CD}"/>
+          </ac:picMkLst>
+        </pc:picChg>
+      </pc:sldChg>
+      <pc:sldChg chg="modSp mod">
+        <pc:chgData name="Noah Casey" userId="0f1561b0-985a-425f-b941-4ea07dfff7cd" providerId="ADAL" clId="{EDF30C08-90E4-48D5-A003-A2148E0B2B04}" dt="2023-10-21T03:57:09.326" v="222" actId="1036"/>
+        <pc:sldMkLst>
+          <pc:docMk/>
+          <pc:sldMk cId="1213647710" sldId="2469"/>
+        </pc:sldMkLst>
+        <pc:spChg chg="mod">
+          <ac:chgData name="Noah Casey" userId="0f1561b0-985a-425f-b941-4ea07dfff7cd" providerId="ADAL" clId="{EDF30C08-90E4-48D5-A003-A2148E0B2B04}" dt="2023-10-21T03:57:03.896" v="219" actId="1036"/>
+          <ac:spMkLst>
+            <pc:docMk/>
+            <pc:sldMk cId="1213647710" sldId="2469"/>
+            <ac:spMk id="22" creationId="{075B256B-F759-0D41-97F1-70C6EDF2890D}"/>
+          </ac:spMkLst>
+        </pc:spChg>
+        <pc:spChg chg="mod">
+          <ac:chgData name="Noah Casey" userId="0f1561b0-985a-425f-b941-4ea07dfff7cd" providerId="ADAL" clId="{EDF30C08-90E4-48D5-A003-A2148E0B2B04}" dt="2023-10-21T03:57:09.326" v="222" actId="1036"/>
+          <ac:spMkLst>
+            <pc:docMk/>
+            <pc:sldMk cId="1213647710" sldId="2469"/>
+            <ac:spMk id="30" creationId="{9CBAA665-4C35-BDCD-A50C-1D97BB582FF4}"/>
+          </ac:spMkLst>
+        </pc:spChg>
+      </pc:sldChg>
+      <pc:sldChg chg="addSp delSp modSp mod">
+        <pc:chgData name="Noah Casey" userId="0f1561b0-985a-425f-b941-4ea07dfff7cd" providerId="ADAL" clId="{EDF30C08-90E4-48D5-A003-A2148E0B2B04}" dt="2023-10-21T02:08:48.473" v="61" actId="478"/>
+        <pc:sldMkLst>
+          <pc:docMk/>
+          <pc:sldMk cId="1917582684" sldId="2470"/>
+        </pc:sldMkLst>
+        <pc:spChg chg="mod">
+          <ac:chgData name="Noah Casey" userId="0f1561b0-985a-425f-b941-4ea07dfff7cd" providerId="ADAL" clId="{EDF30C08-90E4-48D5-A003-A2148E0B2B04}" dt="2023-10-21T01:52:10.800" v="28" actId="14100"/>
+          <ac:spMkLst>
+            <pc:docMk/>
+            <pc:sldMk cId="1917582684" sldId="2470"/>
+            <ac:spMk id="2" creationId="{404D0C37-A50C-6BAF-546C-3F80B7B717B9}"/>
+          </ac:spMkLst>
+        </pc:spChg>
+        <pc:spChg chg="add del mod">
+          <ac:chgData name="Noah Casey" userId="0f1561b0-985a-425f-b941-4ea07dfff7cd" providerId="ADAL" clId="{EDF30C08-90E4-48D5-A003-A2148E0B2B04}" dt="2023-10-21T02:08:48.473" v="61" actId="478"/>
+          <ac:spMkLst>
+            <pc:docMk/>
+            <pc:sldMk cId="1917582684" sldId="2470"/>
+            <ac:spMk id="9" creationId="{3E9BF48F-0E81-94AA-E876-7CDA633DA0DA}"/>
+          </ac:spMkLst>
+        </pc:spChg>
+        <pc:picChg chg="del">
+          <ac:chgData name="Noah Casey" userId="0f1561b0-985a-425f-b941-4ea07dfff7cd" providerId="ADAL" clId="{EDF30C08-90E4-48D5-A003-A2148E0B2B04}" dt="2023-10-21T01:51:24.336" v="17" actId="478"/>
+          <ac:picMkLst>
+            <pc:docMk/>
+            <pc:sldMk cId="1917582684" sldId="2470"/>
+            <ac:picMk id="4" creationId="{145B543D-E4D5-F091-4F0D-71C2C02FCCCF}"/>
+          </ac:picMkLst>
+        </pc:picChg>
+        <pc:picChg chg="del">
+          <ac:chgData name="Noah Casey" userId="0f1561b0-985a-425f-b941-4ea07dfff7cd" providerId="ADAL" clId="{EDF30C08-90E4-48D5-A003-A2148E0B2B04}" dt="2023-10-21T01:51:56.114" v="22" actId="478"/>
+          <ac:picMkLst>
+            <pc:docMk/>
+            <pc:sldMk cId="1917582684" sldId="2470"/>
+            <ac:picMk id="5" creationId="{1BC7E956-6273-9390-7879-10F459AD2F58}"/>
+          </ac:picMkLst>
+        </pc:picChg>
+        <pc:picChg chg="add mod">
+          <ac:chgData name="Noah Casey" userId="0f1561b0-985a-425f-b941-4ea07dfff7cd" providerId="ADAL" clId="{EDF30C08-90E4-48D5-A003-A2148E0B2B04}" dt="2023-10-21T01:52:21.816" v="33" actId="1076"/>
+          <ac:picMkLst>
+            <pc:docMk/>
+            <pc:sldMk cId="1917582684" sldId="2470"/>
+            <ac:picMk id="6" creationId="{69EFE09C-4059-69D9-AA49-547BDDF0C3F3}"/>
+          </ac:picMkLst>
+        </pc:picChg>
+        <pc:picChg chg="add mod">
+          <ac:chgData name="Noah Casey" userId="0f1561b0-985a-425f-b941-4ea07dfff7cd" providerId="ADAL" clId="{EDF30C08-90E4-48D5-A003-A2148E0B2B04}" dt="2023-10-21T01:52:19.336" v="32" actId="1076"/>
+          <ac:picMkLst>
+            <pc:docMk/>
+            <pc:sldMk cId="1917582684" sldId="2470"/>
+            <ac:picMk id="8" creationId="{CA63E036-C595-E783-4B7B-60B33D28CFA0}"/>
+          </ac:picMkLst>
+        </pc:picChg>
+      </pc:sldChg>
+      <pc:sldChg chg="addSp delSp modSp add mod">
+        <pc:chgData name="Noah Casey" userId="0f1561b0-985a-425f-b941-4ea07dfff7cd" providerId="ADAL" clId="{EDF30C08-90E4-48D5-A003-A2148E0B2B04}" dt="2023-10-21T05:07:47.068" v="518" actId="478"/>
+        <pc:sldMkLst>
+          <pc:docMk/>
+          <pc:sldMk cId="693497801" sldId="2472"/>
+        </pc:sldMkLst>
+        <pc:spChg chg="add mod">
+          <ac:chgData name="Noah Casey" userId="0f1561b0-985a-425f-b941-4ea07dfff7cd" providerId="ADAL" clId="{EDF30C08-90E4-48D5-A003-A2148E0B2B04}" dt="2023-10-21T02:06:01.830" v="59"/>
+          <ac:spMkLst>
+            <pc:docMk/>
+            <pc:sldMk cId="693497801" sldId="2472"/>
+            <ac:spMk id="3" creationId="{F3AA6173-0056-7780-01CB-9272EC9D818D}"/>
+          </ac:spMkLst>
+        </pc:spChg>
+        <pc:spChg chg="add del mod">
+          <ac:chgData name="Noah Casey" userId="0f1561b0-985a-425f-b941-4ea07dfff7cd" providerId="ADAL" clId="{EDF30C08-90E4-48D5-A003-A2148E0B2B04}" dt="2023-10-21T05:07:47.068" v="518" actId="478"/>
+          <ac:spMkLst>
+            <pc:docMk/>
+            <pc:sldMk cId="693497801" sldId="2472"/>
+            <ac:spMk id="17" creationId="{590CE27B-C3C5-682D-1FE2-7CFBAC9D8BE0}"/>
+          </ac:spMkLst>
+        </pc:spChg>
+        <pc:spChg chg="add del mod">
+          <ac:chgData name="Noah Casey" userId="0f1561b0-985a-425f-b941-4ea07dfff7cd" providerId="ADAL" clId="{EDF30C08-90E4-48D5-A003-A2148E0B2B04}" dt="2023-10-21T04:55:04.202" v="288" actId="478"/>
+          <ac:spMkLst>
+            <pc:docMk/>
+            <pc:sldMk cId="693497801" sldId="2472"/>
+            <ac:spMk id="18" creationId="{9D9AEC35-3231-B1DD-D179-ED1CF5FB5FD0}"/>
+          </ac:spMkLst>
+        </pc:spChg>
+        <pc:spChg chg="add del mod">
+          <ac:chgData name="Noah Casey" userId="0f1561b0-985a-425f-b941-4ea07dfff7cd" providerId="ADAL" clId="{EDF30C08-90E4-48D5-A003-A2148E0B2B04}" dt="2023-10-21T05:07:47.068" v="518" actId="478"/>
+          <ac:spMkLst>
+            <pc:docMk/>
+            <pc:sldMk cId="693497801" sldId="2472"/>
+            <ac:spMk id="19" creationId="{F29D9FF1-DDA2-3BC1-8C08-75ED56319BBF}"/>
+          </ac:spMkLst>
+        </pc:spChg>
+        <pc:spChg chg="add mod">
+          <ac:chgData name="Noah Casey" userId="0f1561b0-985a-425f-b941-4ea07dfff7cd" providerId="ADAL" clId="{EDF30C08-90E4-48D5-A003-A2148E0B2B04}" dt="2023-10-21T04:55:32.278" v="292" actId="571"/>
+          <ac:spMkLst>
+            <pc:docMk/>
+            <pc:sldMk cId="693497801" sldId="2472"/>
+            <ac:spMk id="20" creationId="{7FB3DBDA-E9DF-58F0-92F4-63324833E507}"/>
+          </ac:spMkLst>
+        </pc:spChg>
+        <pc:graphicFrameChg chg="add mod modGraphic">
+          <ac:chgData name="Noah Casey" userId="0f1561b0-985a-425f-b941-4ea07dfff7cd" providerId="ADAL" clId="{EDF30C08-90E4-48D5-A003-A2148E0B2B04}" dt="2023-10-21T05:07:26.497" v="516" actId="14734"/>
+          <ac:graphicFrameMkLst>
+            <pc:docMk/>
+            <pc:sldMk cId="693497801" sldId="2472"/>
+            <ac:graphicFrameMk id="21" creationId="{79BB9C48-A3C6-5479-5C02-7FD2BA00CC40}"/>
+          </ac:graphicFrameMkLst>
+        </pc:graphicFrameChg>
+        <pc:picChg chg="del">
+          <ac:chgData name="Noah Casey" userId="0f1561b0-985a-425f-b941-4ea07dfff7cd" providerId="ADAL" clId="{EDF30C08-90E4-48D5-A003-A2148E0B2B04}" dt="2023-10-21T01:26:07.957" v="5" actId="478"/>
+          <ac:picMkLst>
+            <pc:docMk/>
+            <pc:sldMk cId="693497801" sldId="2472"/>
+            <ac:picMk id="3" creationId="{229ABE1D-CE7F-4746-07B7-D199F91E9D00}"/>
+          </ac:picMkLst>
+        </pc:picChg>
+        <pc:picChg chg="del mod">
+          <ac:chgData name="Noah Casey" userId="0f1561b0-985a-425f-b941-4ea07dfff7cd" providerId="ADAL" clId="{EDF30C08-90E4-48D5-A003-A2148E0B2B04}" dt="2023-10-21T04:16:42.348" v="231" actId="478"/>
+          <ac:picMkLst>
+            <pc:docMk/>
+            <pc:sldMk cId="693497801" sldId="2472"/>
+            <ac:picMk id="4" creationId="{B43025B0-4F84-1372-9FD1-2A6752A290CD}"/>
+          </ac:picMkLst>
+        </pc:picChg>
+        <pc:picChg chg="add mod modCrop">
+          <ac:chgData name="Noah Casey" userId="0f1561b0-985a-425f-b941-4ea07dfff7cd" providerId="ADAL" clId="{EDF30C08-90E4-48D5-A003-A2148E0B2B04}" dt="2023-10-21T03:18:27.717" v="198" actId="1076"/>
+          <ac:picMkLst>
+            <pc:docMk/>
+            <pc:sldMk cId="693497801" sldId="2472"/>
+            <ac:picMk id="5" creationId="{8858EF35-96ED-7E2F-9652-2AD43AF143CF}"/>
+          </ac:picMkLst>
+        </pc:picChg>
+        <pc:picChg chg="add mod modCrop">
+          <ac:chgData name="Noah Casey" userId="0f1561b0-985a-425f-b941-4ea07dfff7cd" providerId="ADAL" clId="{EDF30C08-90E4-48D5-A003-A2148E0B2B04}" dt="2023-10-21T01:27:02.919" v="12" actId="14100"/>
+          <ac:picMkLst>
+            <pc:docMk/>
+            <pc:sldMk cId="693497801" sldId="2472"/>
+            <ac:picMk id="6" creationId="{C9B2E5D9-16F4-FA5D-D4C8-D08D625981FE}"/>
+          </ac:picMkLst>
+        </pc:picChg>
+        <pc:picChg chg="add del mod ord">
+          <ac:chgData name="Noah Casey" userId="0f1561b0-985a-425f-b941-4ea07dfff7cd" providerId="ADAL" clId="{EDF30C08-90E4-48D5-A003-A2148E0B2B04}" dt="2023-10-21T05:05:34.905" v="463" actId="478"/>
+          <ac:picMkLst>
+            <pc:docMk/>
+            <pc:sldMk cId="693497801" sldId="2472"/>
+            <ac:picMk id="8" creationId="{8764CC8B-6EB2-E05A-2322-BEFF25F5282F}"/>
+          </ac:picMkLst>
+        </pc:picChg>
+        <pc:picChg chg="add del mod modCrop">
+          <ac:chgData name="Noah Casey" userId="0f1561b0-985a-425f-b941-4ea07dfff7cd" providerId="ADAL" clId="{EDF30C08-90E4-48D5-A003-A2148E0B2B04}" dt="2023-10-21T05:07:47.068" v="518" actId="478"/>
+          <ac:picMkLst>
+            <pc:docMk/>
+            <pc:sldMk cId="693497801" sldId="2472"/>
+            <ac:picMk id="10" creationId="{176914E8-3199-F0F4-72D8-76100CE22496}"/>
+          </ac:picMkLst>
+        </pc:picChg>
+        <pc:picChg chg="add del mod modCrop">
+          <ac:chgData name="Noah Casey" userId="0f1561b0-985a-425f-b941-4ea07dfff7cd" providerId="ADAL" clId="{EDF30C08-90E4-48D5-A003-A2148E0B2B04}" dt="2023-10-21T05:07:47.068" v="518" actId="478"/>
+          <ac:picMkLst>
+            <pc:docMk/>
+            <pc:sldMk cId="693497801" sldId="2472"/>
+            <ac:picMk id="12" creationId="{C5523110-7C42-295F-7789-7E705B95869B}"/>
+          </ac:picMkLst>
+        </pc:picChg>
+        <pc:picChg chg="add del mod modCrop">
+          <ac:chgData name="Noah Casey" userId="0f1561b0-985a-425f-b941-4ea07dfff7cd" providerId="ADAL" clId="{EDF30C08-90E4-48D5-A003-A2148E0B2B04}" dt="2023-10-21T05:07:47.068" v="518" actId="478"/>
+          <ac:picMkLst>
+            <pc:docMk/>
+            <pc:sldMk cId="693497801" sldId="2472"/>
+            <ac:picMk id="14" creationId="{485BCD76-3DCF-DEDC-3988-D15D5ACEA7E4}"/>
+          </ac:picMkLst>
+        </pc:picChg>
+        <pc:picChg chg="add mod">
+          <ac:chgData name="Noah Casey" userId="0f1561b0-985a-425f-b941-4ea07dfff7cd" providerId="ADAL" clId="{EDF30C08-90E4-48D5-A003-A2148E0B2B04}" dt="2023-10-21T04:16:58.887" v="237" actId="1076"/>
+          <ac:picMkLst>
+            <pc:docMk/>
+            <pc:sldMk cId="693497801" sldId="2472"/>
+            <ac:picMk id="16" creationId="{BA3A8BAE-6490-CD6C-3B68-3F6EFAD995E2}"/>
+          </ac:picMkLst>
+        </pc:picChg>
+        <pc:picChg chg="add mod">
+          <ac:chgData name="Noah Casey" userId="0f1561b0-985a-425f-b941-4ea07dfff7cd" providerId="ADAL" clId="{EDF30C08-90E4-48D5-A003-A2148E0B2B04}" dt="2023-10-21T05:06:03.318" v="477" actId="1076"/>
+          <ac:picMkLst>
+            <pc:docMk/>
+            <pc:sldMk cId="693497801" sldId="2472"/>
+            <ac:picMk id="23" creationId="{7B166602-7A35-0A99-7BAA-286416800CF6}"/>
+          </ac:picMkLst>
+        </pc:picChg>
+        <pc:picChg chg="add mod">
+          <ac:chgData name="Noah Casey" userId="0f1561b0-985a-425f-b941-4ea07dfff7cd" providerId="ADAL" clId="{EDF30C08-90E4-48D5-A003-A2148E0B2B04}" dt="2023-10-21T05:06:15.572" v="481" actId="1076"/>
+          <ac:picMkLst>
+            <pc:docMk/>
+            <pc:sldMk cId="693497801" sldId="2472"/>
+            <ac:picMk id="24" creationId="{75D1EA18-46F3-DD86-E5EF-5CAE31E55C9A}"/>
+          </ac:picMkLst>
+        </pc:picChg>
+        <pc:picChg chg="add mod">
+          <ac:chgData name="Noah Casey" userId="0f1561b0-985a-425f-b941-4ea07dfff7cd" providerId="ADAL" clId="{EDF30C08-90E4-48D5-A003-A2148E0B2B04}" dt="2023-10-21T05:06:35.624" v="491" actId="1076"/>
+          <ac:picMkLst>
+            <pc:docMk/>
+            <pc:sldMk cId="693497801" sldId="2472"/>
+            <ac:picMk id="25" creationId="{D579D875-1C6D-D8D1-B0FF-5E82BD86AFD1}"/>
+          </ac:picMkLst>
+        </pc:picChg>
+        <pc:picChg chg="add mod">
+          <ac:chgData name="Noah Casey" userId="0f1561b0-985a-425f-b941-4ea07dfff7cd" providerId="ADAL" clId="{EDF30C08-90E4-48D5-A003-A2148E0B2B04}" dt="2023-10-21T05:07:10.400" v="510" actId="1076"/>
+          <ac:picMkLst>
+            <pc:docMk/>
+            <pc:sldMk cId="693497801" sldId="2472"/>
+            <ac:picMk id="26" creationId="{D68E4E20-A870-BA7A-6F88-A8C2C5C682AA}"/>
+          </ac:picMkLst>
+        </pc:picChg>
+        <pc:picChg chg="add del mod">
+          <ac:chgData name="Noah Casey" userId="0f1561b0-985a-425f-b941-4ea07dfff7cd" providerId="ADAL" clId="{EDF30C08-90E4-48D5-A003-A2148E0B2B04}" dt="2023-10-21T05:07:36.434" v="517" actId="478"/>
+          <ac:picMkLst>
+            <pc:docMk/>
+            <pc:sldMk cId="693497801" sldId="2472"/>
+            <ac:picMk id="1026" creationId="{33AF3ED5-1515-77F5-C0BD-5F7E1F9BE785}"/>
+          </ac:picMkLst>
+        </pc:picChg>
+      </pc:sldChg>
+      <pc:sldChg chg="addSp delSp modSp add mod">
+        <pc:chgData name="Noah Casey" userId="0f1561b0-985a-425f-b941-4ea07dfff7cd" providerId="ADAL" clId="{EDF30C08-90E4-48D5-A003-A2148E0B2B04}" dt="2023-10-21T02:20:26.056" v="159" actId="14100"/>
+        <pc:sldMkLst>
+          <pc:docMk/>
+          <pc:sldMk cId="1837054847" sldId="2473"/>
+        </pc:sldMkLst>
+        <pc:spChg chg="mod">
+          <ac:chgData name="Noah Casey" userId="0f1561b0-985a-425f-b941-4ea07dfff7cd" providerId="ADAL" clId="{EDF30C08-90E4-48D5-A003-A2148E0B2B04}" dt="2023-10-21T02:20:26.056" v="159" actId="14100"/>
+          <ac:spMkLst>
+            <pc:docMk/>
+            <pc:sldMk cId="1837054847" sldId="2473"/>
+            <ac:spMk id="2" creationId="{404D0C37-A50C-6BAF-546C-3F80B7B717B9}"/>
+          </ac:spMkLst>
+        </pc:spChg>
+        <pc:picChg chg="del">
+          <ac:chgData name="Noah Casey" userId="0f1561b0-985a-425f-b941-4ea07dfff7cd" providerId="ADAL" clId="{EDF30C08-90E4-48D5-A003-A2148E0B2B04}" dt="2023-10-21T02:10:51.021" v="78" actId="478"/>
+          <ac:picMkLst>
+            <pc:docMk/>
+            <pc:sldMk cId="1837054847" sldId="2473"/>
+            <ac:picMk id="4" creationId="{B43025B0-4F84-1372-9FD1-2A6752A290CD}"/>
+          </ac:picMkLst>
+        </pc:picChg>
+        <pc:picChg chg="del">
+          <ac:chgData name="Noah Casey" userId="0f1561b0-985a-425f-b941-4ea07dfff7cd" providerId="ADAL" clId="{EDF30C08-90E4-48D5-A003-A2148E0B2B04}" dt="2023-10-21T02:10:51.021" v="78" actId="478"/>
+          <ac:picMkLst>
+            <pc:docMk/>
+            <pc:sldMk cId="1837054847" sldId="2473"/>
+            <ac:picMk id="5" creationId="{8858EF35-96ED-7E2F-9652-2AD43AF143CF}"/>
+          </ac:picMkLst>
+        </pc:picChg>
+        <pc:picChg chg="del">
+          <ac:chgData name="Noah Casey" userId="0f1561b0-985a-425f-b941-4ea07dfff7cd" providerId="ADAL" clId="{EDF30C08-90E4-48D5-A003-A2148E0B2B04}" dt="2023-10-21T02:10:51.021" v="78" actId="478"/>
+          <ac:picMkLst>
+            <pc:docMk/>
+            <pc:sldMk cId="1837054847" sldId="2473"/>
+            <ac:picMk id="6" creationId="{C9B2E5D9-16F4-FA5D-D4C8-D08D625981FE}"/>
+          </ac:picMkLst>
+        </pc:picChg>
+        <pc:picChg chg="add mod">
+          <ac:chgData name="Noah Casey" userId="0f1561b0-985a-425f-b941-4ea07dfff7cd" providerId="ADAL" clId="{EDF30C08-90E4-48D5-A003-A2148E0B2B04}" dt="2023-10-21T02:19:40.765" v="151" actId="1076"/>
+          <ac:picMkLst>
+            <pc:docMk/>
+            <pc:sldMk cId="1837054847" sldId="2473"/>
+            <ac:picMk id="8" creationId="{F691720E-3E7C-B6A9-A217-34624246C7AC}"/>
+          </ac:picMkLst>
+        </pc:picChg>
+        <pc:picChg chg="add mod">
+          <ac:chgData name="Noah Casey" userId="0f1561b0-985a-425f-b941-4ea07dfff7cd" providerId="ADAL" clId="{EDF30C08-90E4-48D5-A003-A2148E0B2B04}" dt="2023-10-21T02:19:42.301" v="152" actId="1076"/>
+          <ac:picMkLst>
+            <pc:docMk/>
+            <pc:sldMk cId="1837054847" sldId="2473"/>
+            <ac:picMk id="10" creationId="{8CCACCAB-682B-D075-FAD0-1272EFA9D99E}"/>
+          </ac:picMkLst>
+        </pc:picChg>
+        <pc:picChg chg="add mod">
+          <ac:chgData name="Noah Casey" userId="0f1561b0-985a-425f-b941-4ea07dfff7cd" providerId="ADAL" clId="{EDF30C08-90E4-48D5-A003-A2148E0B2B04}" dt="2023-10-21T02:20:12.487" v="155" actId="14100"/>
+          <ac:picMkLst>
+            <pc:docMk/>
+            <pc:sldMk cId="1837054847" sldId="2473"/>
+            <ac:picMk id="12" creationId="{E30361A4-024C-B4AD-F6FE-D70C9D185F14}"/>
+          </ac:picMkLst>
+        </pc:picChg>
+        <pc:picChg chg="add mod">
+          <ac:chgData name="Noah Casey" userId="0f1561b0-985a-425f-b941-4ea07dfff7cd" providerId="ADAL" clId="{EDF30C08-90E4-48D5-A003-A2148E0B2B04}" dt="2023-10-21T02:20:17.013" v="156" actId="1076"/>
+          <ac:picMkLst>
+            <pc:docMk/>
+            <pc:sldMk cId="1837054847" sldId="2473"/>
+            <ac:picMk id="14" creationId="{2B4525D9-8A66-2A56-4964-794F1C21E8E3}"/>
+          </ac:picMkLst>
+        </pc:picChg>
+      </pc:sldChg>
+    </pc:docChg>
+  </pc:docChgLst>
+</pc:chgInfo>
+</file>
+
 <file path=ppt/handoutMasters/handoutMaster1.xml><?xml version="1.0" encoding="utf-8"?>
 <p:handoutMaster xmlns:a="http://schemas.openxmlformats.org/drawingml/2006/main" xmlns:r="http://schemas.openxmlformats.org/officeDocument/2006/relationships" xmlns:p="http://schemas.openxmlformats.org/presentationml/2006/main">
   <p:cSld>
@@ -243,7 +763,7 @@
           <a:p>
             <a:fld id="{966D5B4E-BF3E-3B45-A4BA-D6C3B92870D7}" type="datetimeFigureOut">
               <a:rPr lang="en-US" smtClean="0"/>
-              <a:t>10/20/2023</a:t>
+              <a:t>10/21/2023</a:t>
             </a:fld>
             <a:endParaRPr lang="en-US" dirty="0"/>
           </a:p>
@@ -420,7 +940,7 @@
           <a:p>
             <a:fld id="{F5A8621B-8C8E-49BA-8772-41D0FE75A082}" type="datetimeFigureOut">
               <a:rPr lang="en-US" smtClean="0"/>
-              <a:t>10/20/2023</a:t>
+              <a:t>10/21/2023</a:t>
             </a:fld>
             <a:endParaRPr lang="en-US" dirty="0"/>
           </a:p>
@@ -1906,7 +2426,7 @@
           <a:p>
             <a:fld id="{60348797-CA49-41FD-8751-744EB1DC12C4}" type="datetimeFigureOut">
               <a:rPr lang="en-AU" smtClean="0"/>
-              <a:t>20/10/2023</a:t>
+              <a:t>21/10/2023</a:t>
             </a:fld>
             <a:endParaRPr lang="en-AU"/>
           </a:p>
@@ -5470,8 +5990,8 @@
         </p:nvSpPr>
         <p:spPr>
           <a:xfrm>
-            <a:off x="5450456" y="73347"/>
-            <a:ext cx="5052443" cy="2344012"/>
+            <a:off x="478090" y="184443"/>
+            <a:ext cx="4495693" cy="720312"/>
           </a:xfrm>
         </p:spPr>
         <p:txBody>
@@ -5489,12 +6009,64 @@
           </a:p>
         </p:txBody>
       </p:sp>
+      <p:sp>
+        <p:nvSpPr>
+          <p:cNvPr id="3" name="Rectangle 2">
+            <a:extLst>
+              <a:ext uri="{FF2B5EF4-FFF2-40B4-BE49-F238E27FC236}">
+                <a16:creationId xmlns:a16="http://schemas.microsoft.com/office/drawing/2014/main" id="{5E0A7C29-1459-FA0C-51BD-9EAD5011820D}"/>
+              </a:ext>
+            </a:extLst>
+          </p:cNvPr>
+          <p:cNvSpPr/>
+          <p:nvPr/>
+        </p:nvSpPr>
+        <p:spPr>
+          <a:xfrm>
+            <a:off x="478091" y="4929967"/>
+            <a:ext cx="2973833" cy="1672781"/>
+          </a:xfrm>
+          <a:prstGeom prst="rect">
+            <a:avLst/>
+          </a:prstGeom>
+          <a:solidFill>
+            <a:srgbClr val="00FF00"/>
+          </a:solidFill>
+          <a:ln>
+            <a:noFill/>
+          </a:ln>
+        </p:spPr>
+        <p:style>
+          <a:lnRef idx="2">
+            <a:schemeClr val="accent1">
+              <a:shade val="15000"/>
+            </a:schemeClr>
+          </a:lnRef>
+          <a:fillRef idx="1">
+            <a:schemeClr val="accent1"/>
+          </a:fillRef>
+          <a:effectRef idx="0">
+            <a:schemeClr val="accent1"/>
+          </a:effectRef>
+          <a:fontRef idx="minor">
+            <a:schemeClr val="lt1"/>
+          </a:fontRef>
+        </p:style>
+        <p:txBody>
+          <a:bodyPr rtlCol="0" anchor="ctr"/>
+          <a:lstStyle/>
+          <a:p>
+            <a:pPr algn="ctr"/>
+            <a:endParaRPr lang="en-AU"/>
+          </a:p>
+        </p:txBody>
+      </p:sp>
       <p:pic>
         <p:nvPicPr>
-          <p:cNvPr id="6" name="Picture 5">
-            <a:extLst>
-              <a:ext uri="{FF2B5EF4-FFF2-40B4-BE49-F238E27FC236}">
-                <a16:creationId xmlns:a16="http://schemas.microsoft.com/office/drawing/2014/main" id="{A1C2B3E8-8071-BD8A-5F91-BA2F62C85614}"/>
+          <p:cNvPr id="5" name="Picture 4">
+            <a:extLst>
+              <a:ext uri="{FF2B5EF4-FFF2-40B4-BE49-F238E27FC236}">
+                <a16:creationId xmlns:a16="http://schemas.microsoft.com/office/drawing/2014/main" id="{EF812434-3238-F380-9DC2-9F6CFFEC566B}"/>
               </a:ext>
             </a:extLst>
           </p:cNvPr>
@@ -5511,8 +6083,8 @@
         </p:blipFill>
         <p:spPr>
           <a:xfrm>
-            <a:off x="66675" y="113189"/>
-            <a:ext cx="4378325" cy="6671464"/>
+            <a:off x="6634759" y="132771"/>
+            <a:ext cx="5133756" cy="6620454"/>
           </a:xfrm>
           <a:prstGeom prst="rect">
             <a:avLst/>
@@ -5521,10 +6093,10 @@
       </p:pic>
       <p:pic>
         <p:nvPicPr>
-          <p:cNvPr id="8" name="Picture 7" descr="A screen shot of a computer program&#10;&#10;Description automatically generated">
-            <a:extLst>
-              <a:ext uri="{FF2B5EF4-FFF2-40B4-BE49-F238E27FC236}">
-                <a16:creationId xmlns:a16="http://schemas.microsoft.com/office/drawing/2014/main" id="{1471D4A4-1F5C-A55A-1071-7ECB56C03425}"/>
+          <p:cNvPr id="9" name="Picture 8">
+            <a:extLst>
+              <a:ext uri="{FF2B5EF4-FFF2-40B4-BE49-F238E27FC236}">
+                <a16:creationId xmlns:a16="http://schemas.microsoft.com/office/drawing/2014/main" id="{C8D41A51-FED0-56E0-21F7-5A3A648C2C3F}"/>
               </a:ext>
             </a:extLst>
           </p:cNvPr>
@@ -5541,8 +6113,8 @@
         </p:blipFill>
         <p:spPr>
           <a:xfrm>
-            <a:off x="5450456" y="2417359"/>
-            <a:ext cx="5052443" cy="4367294"/>
+            <a:off x="478090" y="904755"/>
+            <a:ext cx="4065335" cy="3908976"/>
           </a:xfrm>
           <a:prstGeom prst="rect">
             <a:avLst/>
@@ -5657,36 +6229,58 @@
           </a:p>
         </p:txBody>
       </p:sp>
-      <p:pic>
-        <p:nvPicPr>
-          <p:cNvPr id="4" name="Picture 3">
-            <a:extLst>
-              <a:ext uri="{FF2B5EF4-FFF2-40B4-BE49-F238E27FC236}">
-                <a16:creationId xmlns:a16="http://schemas.microsoft.com/office/drawing/2014/main" id="{B43025B0-4F84-1372-9FD1-2A6752A290CD}"/>
-              </a:ext>
-            </a:extLst>
-          </p:cNvPr>
-          <p:cNvPicPr>
-            <a:picLocks noChangeAspect="1"/>
-          </p:cNvPicPr>
+      <p:sp>
+        <p:nvSpPr>
+          <p:cNvPr id="4" name="Rectangle 3">
+            <a:extLst>
+              <a:ext uri="{FF2B5EF4-FFF2-40B4-BE49-F238E27FC236}">
+                <a16:creationId xmlns:a16="http://schemas.microsoft.com/office/drawing/2014/main" id="{C582E84D-5979-F6CA-8EA8-8553D8BEA99A}"/>
+              </a:ext>
+            </a:extLst>
+          </p:cNvPr>
+          <p:cNvSpPr/>
           <p:nvPr/>
-        </p:nvPicPr>
-        <p:blipFill>
-          <a:blip r:embed="rId3"/>
-          <a:stretch>
-            <a:fillRect/>
-          </a:stretch>
-        </p:blipFill>
-        <p:spPr>
-          <a:xfrm>
-            <a:off x="122237" y="4864099"/>
-            <a:ext cx="3789363" cy="1581049"/>
-          </a:xfrm>
-          <a:prstGeom prst="flowChartDelay">
+        </p:nvSpPr>
+        <p:spPr>
+          <a:xfrm>
+            <a:off x="478091" y="4929967"/>
+            <a:ext cx="2973833" cy="1672781"/>
+          </a:xfrm>
+          <a:prstGeom prst="rect">
             <a:avLst/>
           </a:prstGeom>
-        </p:spPr>
-      </p:pic>
+          <a:solidFill>
+            <a:srgbClr val="00FF00"/>
+          </a:solidFill>
+          <a:ln>
+            <a:noFill/>
+          </a:ln>
+        </p:spPr>
+        <p:style>
+          <a:lnRef idx="2">
+            <a:schemeClr val="accent1">
+              <a:shade val="15000"/>
+            </a:schemeClr>
+          </a:lnRef>
+          <a:fillRef idx="1">
+            <a:schemeClr val="accent1"/>
+          </a:fillRef>
+          <a:effectRef idx="0">
+            <a:schemeClr val="accent1"/>
+          </a:effectRef>
+          <a:fontRef idx="minor">
+            <a:schemeClr val="lt1"/>
+          </a:fontRef>
+        </p:style>
+        <p:txBody>
+          <a:bodyPr rtlCol="0" anchor="ctr"/>
+          <a:lstStyle/>
+          <a:p>
+            <a:pPr algn="ctr"/>
+            <a:endParaRPr lang="en-AU"/>
+          </a:p>
+        </p:txBody>
+      </p:sp>
     </p:spTree>
     <p:extLst>
       <p:ext uri="{BB962C8B-B14F-4D97-AF65-F5344CB8AC3E}">
@@ -5735,6 +6329,897 @@
         </p:nvSpPr>
         <p:spPr>
           <a:xfrm>
+            <a:off x="6096000" y="419101"/>
+            <a:ext cx="5257800" cy="1054100"/>
+          </a:xfrm>
+        </p:spPr>
+        <p:txBody>
+          <a:bodyPr>
+            <a:normAutofit/>
+          </a:bodyPr>
+          <a:lstStyle/>
+          <a:p>
+            <a:r>
+              <a:rPr lang="en-AU" sz="3200" dirty="0">
+                <a:latin typeface="Montserrat Black" pitchFamily="2" charset="0"/>
+              </a:rPr>
+              <a:t>Iteration 3: SQL</a:t>
+            </a:r>
+          </a:p>
+        </p:txBody>
+      </p:sp>
+      <p:pic>
+        <p:nvPicPr>
+          <p:cNvPr id="6" name="Picture 5">
+            <a:extLst>
+              <a:ext uri="{FF2B5EF4-FFF2-40B4-BE49-F238E27FC236}">
+                <a16:creationId xmlns:a16="http://schemas.microsoft.com/office/drawing/2014/main" id="{C9B2E5D9-16F4-FA5D-D4C8-D08D625981FE}"/>
+              </a:ext>
+            </a:extLst>
+          </p:cNvPr>
+          <p:cNvPicPr>
+            <a:picLocks noChangeAspect="1"/>
+          </p:cNvPicPr>
+          <p:nvPr/>
+        </p:nvPicPr>
+        <p:blipFill rotWithShape="1">
+          <a:blip r:embed="rId2"/>
+          <a:srcRect l="758"/>
+          <a:stretch/>
+        </p:blipFill>
+        <p:spPr>
+          <a:xfrm>
+            <a:off x="6096000" y="1761976"/>
+            <a:ext cx="5380549" cy="1341442"/>
+          </a:xfrm>
+          <a:prstGeom prst="rect">
+            <a:avLst/>
+          </a:prstGeom>
+        </p:spPr>
+      </p:pic>
+      <p:pic>
+        <p:nvPicPr>
+          <p:cNvPr id="5" name="Picture 4">
+            <a:extLst>
+              <a:ext uri="{FF2B5EF4-FFF2-40B4-BE49-F238E27FC236}">
+                <a16:creationId xmlns:a16="http://schemas.microsoft.com/office/drawing/2014/main" id="{8858EF35-96ED-7E2F-9652-2AD43AF143CF}"/>
+              </a:ext>
+            </a:extLst>
+          </p:cNvPr>
+          <p:cNvPicPr>
+            <a:picLocks noChangeAspect="1"/>
+          </p:cNvPicPr>
+          <p:nvPr/>
+        </p:nvPicPr>
+        <p:blipFill rotWithShape="1">
+          <a:blip r:embed="rId3"/>
+          <a:srcRect l="2513"/>
+          <a:stretch/>
+        </p:blipFill>
+        <p:spPr>
+          <a:xfrm>
+            <a:off x="8530946" y="3968588"/>
+            <a:ext cx="2331008" cy="1914792"/>
+          </a:xfrm>
+          <a:prstGeom prst="rect">
+            <a:avLst/>
+          </a:prstGeom>
+        </p:spPr>
+      </p:pic>
+      <p:sp>
+        <p:nvSpPr>
+          <p:cNvPr id="3" name="Rectangle 2">
+            <a:extLst>
+              <a:ext uri="{FF2B5EF4-FFF2-40B4-BE49-F238E27FC236}">
+                <a16:creationId xmlns:a16="http://schemas.microsoft.com/office/drawing/2014/main" id="{F3AA6173-0056-7780-01CB-9272EC9D818D}"/>
+              </a:ext>
+            </a:extLst>
+          </p:cNvPr>
+          <p:cNvSpPr/>
+          <p:nvPr/>
+        </p:nvSpPr>
+        <p:spPr>
+          <a:xfrm>
+            <a:off x="478091" y="4929967"/>
+            <a:ext cx="2973833" cy="1672781"/>
+          </a:xfrm>
+          <a:prstGeom prst="rect">
+            <a:avLst/>
+          </a:prstGeom>
+          <a:solidFill>
+            <a:srgbClr val="00FF00"/>
+          </a:solidFill>
+          <a:ln>
+            <a:noFill/>
+          </a:ln>
+        </p:spPr>
+        <p:style>
+          <a:lnRef idx="2">
+            <a:schemeClr val="accent1">
+              <a:shade val="15000"/>
+            </a:schemeClr>
+          </a:lnRef>
+          <a:fillRef idx="1">
+            <a:schemeClr val="accent1"/>
+          </a:fillRef>
+          <a:effectRef idx="0">
+            <a:schemeClr val="accent1"/>
+          </a:effectRef>
+          <a:fontRef idx="minor">
+            <a:schemeClr val="lt1"/>
+          </a:fontRef>
+        </p:style>
+        <p:txBody>
+          <a:bodyPr rtlCol="0" anchor="ctr"/>
+          <a:lstStyle/>
+          <a:p>
+            <a:pPr algn="ctr"/>
+            <a:endParaRPr lang="en-AU"/>
+          </a:p>
+        </p:txBody>
+      </p:sp>
+      <p:pic>
+        <p:nvPicPr>
+          <p:cNvPr id="16" name="Picture 15">
+            <a:extLst>
+              <a:ext uri="{FF2B5EF4-FFF2-40B4-BE49-F238E27FC236}">
+                <a16:creationId xmlns:a16="http://schemas.microsoft.com/office/drawing/2014/main" id="{BA3A8BAE-6490-CD6C-3B68-3F6EFAD995E2}"/>
+              </a:ext>
+            </a:extLst>
+          </p:cNvPr>
+          <p:cNvPicPr>
+            <a:picLocks noChangeAspect="1"/>
+          </p:cNvPicPr>
+          <p:nvPr/>
+        </p:nvPicPr>
+        <p:blipFill>
+          <a:blip r:embed="rId4"/>
+          <a:stretch>
+            <a:fillRect/>
+          </a:stretch>
+        </p:blipFill>
+        <p:spPr>
+          <a:xfrm>
+            <a:off x="574919" y="2103144"/>
+            <a:ext cx="5019373" cy="2333774"/>
+          </a:xfrm>
+          <a:prstGeom prst="rect">
+            <a:avLst/>
+          </a:prstGeom>
+        </p:spPr>
+      </p:pic>
+      <p:graphicFrame>
+        <p:nvGraphicFramePr>
+          <p:cNvPr id="21" name="Table 21">
+            <a:extLst>
+              <a:ext uri="{FF2B5EF4-FFF2-40B4-BE49-F238E27FC236}">
+                <a16:creationId xmlns:a16="http://schemas.microsoft.com/office/drawing/2014/main" id="{79BB9C48-A3C6-5479-5C02-7FD2BA00CC40}"/>
+              </a:ext>
+            </a:extLst>
+          </p:cNvPr>
+          <p:cNvGraphicFramePr>
+            <a:graphicFrameLocks noGrp="1"/>
+          </p:cNvGraphicFramePr>
+          <p:nvPr>
+            <p:extLst>
+              <p:ext uri="{D42A27DB-BD31-4B8C-83A1-F6EECF244321}">
+                <p14:modId xmlns:p14="http://schemas.microsoft.com/office/powerpoint/2010/main" val="2801855975"/>
+              </p:ext>
+            </p:extLst>
+          </p:nvPr>
+        </p:nvGraphicFramePr>
+        <p:xfrm>
+          <a:off x="4252995" y="5013119"/>
+          <a:ext cx="2676443" cy="1506475"/>
+        </p:xfrm>
+        <a:graphic>
+          <a:graphicData uri="http://schemas.openxmlformats.org/drawingml/2006/table">
+            <a:tbl>
+              <a:tblPr firstRow="1" bandRow="1">
+                <a:tableStyleId>{5C22544A-7EE6-4342-B048-85BDC9FD1C3A}</a:tableStyleId>
+              </a:tblPr>
+              <a:tblGrid>
+                <a:gridCol w="1817605">
+                  <a:extLst>
+                    <a:ext uri="{9D8B030D-6E8A-4147-A177-3AD203B41FA5}">
+                      <a16:colId xmlns:a16="http://schemas.microsoft.com/office/drawing/2014/main" val="357932680"/>
+                    </a:ext>
+                  </a:extLst>
+                </a:gridCol>
+                <a:gridCol w="858838">
+                  <a:extLst>
+                    <a:ext uri="{9D8B030D-6E8A-4147-A177-3AD203B41FA5}">
+                      <a16:colId xmlns:a16="http://schemas.microsoft.com/office/drawing/2014/main" val="430896465"/>
+                    </a:ext>
+                  </a:extLst>
+                </a:gridCol>
+              </a:tblGrid>
+              <a:tr h="301295">
+                <a:tc>
+                  <a:txBody>
+                    <a:bodyPr/>
+                    <a:lstStyle/>
+                    <a:p>
+                      <a:r>
+                        <a:rPr lang="en-AU" sz="1200" dirty="0">
+                          <a:latin typeface="Segoe UI" panose="020B0502040204020203" pitchFamily="34" charset="0"/>
+                          <a:cs typeface="Segoe UI" panose="020B0502040204020203" pitchFamily="34" charset="0"/>
+                        </a:rPr>
+                        <a:t>CSV Name</a:t>
+                      </a:r>
+                    </a:p>
+                  </a:txBody>
+                  <a:tcPr>
+                    <a:solidFill>
+                      <a:srgbClr val="0070C0"/>
+                    </a:solidFill>
+                  </a:tcPr>
+                </a:tc>
+                <a:tc>
+                  <a:txBody>
+                    <a:bodyPr/>
+                    <a:lstStyle/>
+                    <a:p>
+                      <a:r>
+                        <a:rPr lang="en-AU" sz="1200" dirty="0">
+                          <a:latin typeface="Segoe UI" panose="020B0502040204020203" pitchFamily="34" charset="0"/>
+                          <a:cs typeface="Segoe UI" panose="020B0502040204020203" pitchFamily="34" charset="0"/>
+                        </a:rPr>
+                        <a:t>Lines</a:t>
+                      </a:r>
+                    </a:p>
+                  </a:txBody>
+                  <a:tcPr>
+                    <a:solidFill>
+                      <a:srgbClr val="0070C0"/>
+                    </a:solidFill>
+                  </a:tcPr>
+                </a:tc>
+                <a:extLst>
+                  <a:ext uri="{0D108BD9-81ED-4DB2-BD59-A6C34878D82A}">
+                    <a16:rowId xmlns:a16="http://schemas.microsoft.com/office/drawing/2014/main" val="3385331232"/>
+                  </a:ext>
+                </a:extLst>
+              </a:tr>
+              <a:tr h="301295">
+                <a:tc>
+                  <a:txBody>
+                    <a:bodyPr/>
+                    <a:lstStyle/>
+                    <a:p>
+                      <a:r>
+                        <a:rPr lang="en-AU" sz="1200" dirty="0">
+                          <a:latin typeface="Segoe UI" panose="020B0502040204020203" pitchFamily="34" charset="0"/>
+                          <a:cs typeface="Segoe UI" panose="020B0502040204020203" pitchFamily="34" charset="0"/>
+                        </a:rPr>
+                        <a:t>     easy.csv</a:t>
+                      </a:r>
+                    </a:p>
+                  </a:txBody>
+                  <a:tcPr>
+                    <a:solidFill>
+                      <a:srgbClr val="0070C0">
+                        <a:alpha val="25098"/>
+                      </a:srgbClr>
+                    </a:solidFill>
+                  </a:tcPr>
+                </a:tc>
+                <a:tc>
+                  <a:txBody>
+                    <a:bodyPr/>
+                    <a:lstStyle/>
+                    <a:p>
+                      <a:r>
+                        <a:rPr lang="en-AU" sz="1200" dirty="0">
+                          <a:latin typeface="Segoe UI" panose="020B0502040204020203" pitchFamily="34" charset="0"/>
+                          <a:cs typeface="Segoe UI" panose="020B0502040204020203" pitchFamily="34" charset="0"/>
+                        </a:rPr>
+                        <a:t>321,162</a:t>
+                      </a:r>
+                    </a:p>
+                  </a:txBody>
+                  <a:tcPr>
+                    <a:solidFill>
+                      <a:srgbClr val="0070C0">
+                        <a:alpha val="25098"/>
+                      </a:srgbClr>
+                    </a:solidFill>
+                  </a:tcPr>
+                </a:tc>
+                <a:extLst>
+                  <a:ext uri="{0D108BD9-81ED-4DB2-BD59-A6C34878D82A}">
+                    <a16:rowId xmlns:a16="http://schemas.microsoft.com/office/drawing/2014/main" val="2974172422"/>
+                  </a:ext>
+                </a:extLst>
+              </a:tr>
+              <a:tr h="301295">
+                <a:tc>
+                  <a:txBody>
+                    <a:bodyPr/>
+                    <a:lstStyle/>
+                    <a:p>
+                      <a:r>
+                        <a:rPr lang="en-AU" sz="1200" dirty="0">
+                          <a:latin typeface="Segoe UI" panose="020B0502040204020203" pitchFamily="34" charset="0"/>
+                          <a:cs typeface="Segoe UI" panose="020B0502040204020203" pitchFamily="34" charset="0"/>
+                        </a:rPr>
+                        <a:t>     intermediate.csv</a:t>
+                      </a:r>
+                    </a:p>
+                  </a:txBody>
+                  <a:tcPr>
+                    <a:solidFill>
+                      <a:srgbClr val="0070C0">
+                        <a:alpha val="10196"/>
+                      </a:srgbClr>
+                    </a:solidFill>
+                  </a:tcPr>
+                </a:tc>
+                <a:tc>
+                  <a:txBody>
+                    <a:bodyPr/>
+                    <a:lstStyle/>
+                    <a:p>
+                      <a:r>
+                        <a:rPr lang="en-AU" sz="1200" dirty="0">
+                          <a:latin typeface="Segoe UI" panose="020B0502040204020203" pitchFamily="34" charset="0"/>
+                          <a:cs typeface="Segoe UI" panose="020B0502040204020203" pitchFamily="34" charset="0"/>
+                        </a:rPr>
+                        <a:t>91,440</a:t>
+                      </a:r>
+                    </a:p>
+                  </a:txBody>
+                  <a:tcPr>
+                    <a:solidFill>
+                      <a:srgbClr val="0070C0">
+                        <a:alpha val="10196"/>
+                      </a:srgbClr>
+                    </a:solidFill>
+                  </a:tcPr>
+                </a:tc>
+                <a:extLst>
+                  <a:ext uri="{0D108BD9-81ED-4DB2-BD59-A6C34878D82A}">
+                    <a16:rowId xmlns:a16="http://schemas.microsoft.com/office/drawing/2014/main" val="74017663"/>
+                  </a:ext>
+                </a:extLst>
+              </a:tr>
+              <a:tr h="301295">
+                <a:tc>
+                  <a:txBody>
+                    <a:bodyPr/>
+                    <a:lstStyle/>
+                    <a:p>
+                      <a:r>
+                        <a:rPr lang="en-AU" sz="1200" dirty="0">
+                          <a:latin typeface="Segoe UI" panose="020B0502040204020203" pitchFamily="34" charset="0"/>
+                          <a:cs typeface="Segoe UI" panose="020B0502040204020203" pitchFamily="34" charset="0"/>
+                        </a:rPr>
+                        <a:t>     hard.csv</a:t>
+                      </a:r>
+                    </a:p>
+                  </a:txBody>
+                  <a:tcPr>
+                    <a:solidFill>
+                      <a:srgbClr val="0070C0">
+                        <a:alpha val="25098"/>
+                      </a:srgbClr>
+                    </a:solidFill>
+                  </a:tcPr>
+                </a:tc>
+                <a:tc>
+                  <a:txBody>
+                    <a:bodyPr/>
+                    <a:lstStyle/>
+                    <a:p>
+                      <a:r>
+                        <a:rPr lang="en-AU" sz="1200" dirty="0">
+                          <a:latin typeface="Segoe UI" panose="020B0502040204020203" pitchFamily="34" charset="0"/>
+                          <a:cs typeface="Segoe UI" panose="020B0502040204020203" pitchFamily="34" charset="0"/>
+                        </a:rPr>
+                        <a:t>12,953</a:t>
+                      </a:r>
+                    </a:p>
+                  </a:txBody>
+                  <a:tcPr>
+                    <a:solidFill>
+                      <a:srgbClr val="0070C0">
+                        <a:alpha val="25098"/>
+                      </a:srgbClr>
+                    </a:solidFill>
+                  </a:tcPr>
+                </a:tc>
+                <a:extLst>
+                  <a:ext uri="{0D108BD9-81ED-4DB2-BD59-A6C34878D82A}">
+                    <a16:rowId xmlns:a16="http://schemas.microsoft.com/office/drawing/2014/main" val="3319424192"/>
+                  </a:ext>
+                </a:extLst>
+              </a:tr>
+              <a:tr h="301295">
+                <a:tc>
+                  <a:txBody>
+                    <a:bodyPr/>
+                    <a:lstStyle/>
+                    <a:p>
+                      <a:r>
+                        <a:rPr lang="en-AU" sz="1200" dirty="0">
+                          <a:latin typeface="Segoe UI" panose="020B0502040204020203" pitchFamily="34" charset="0"/>
+                          <a:cs typeface="Segoe UI" panose="020B0502040204020203" pitchFamily="34" charset="0"/>
+                        </a:rPr>
+                        <a:t>     lichess_db_puzzle.csv</a:t>
+                      </a:r>
+                    </a:p>
+                  </a:txBody>
+                  <a:tcPr>
+                    <a:solidFill>
+                      <a:srgbClr val="0070C0">
+                        <a:alpha val="10196"/>
+                      </a:srgbClr>
+                    </a:solidFill>
+                  </a:tcPr>
+                </a:tc>
+                <a:tc>
+                  <a:txBody>
+                    <a:bodyPr/>
+                    <a:lstStyle/>
+                    <a:p>
+                      <a:r>
+                        <a:rPr lang="en-AU" sz="1200" dirty="0">
+                          <a:latin typeface="Segoe UI" panose="020B0502040204020203" pitchFamily="34" charset="0"/>
+                          <a:cs typeface="Segoe UI" panose="020B0502040204020203" pitchFamily="34" charset="0"/>
+                        </a:rPr>
+                        <a:t>3,431,723</a:t>
+                      </a:r>
+                    </a:p>
+                  </a:txBody>
+                  <a:tcPr>
+                    <a:solidFill>
+                      <a:srgbClr val="0070C0">
+                        <a:alpha val="10196"/>
+                      </a:srgbClr>
+                    </a:solidFill>
+                  </a:tcPr>
+                </a:tc>
+                <a:extLst>
+                  <a:ext uri="{0D108BD9-81ED-4DB2-BD59-A6C34878D82A}">
+                    <a16:rowId xmlns:a16="http://schemas.microsoft.com/office/drawing/2014/main" val="1206100903"/>
+                  </a:ext>
+                </a:extLst>
+              </a:tr>
+            </a:tbl>
+          </a:graphicData>
+        </a:graphic>
+      </p:graphicFrame>
+      <p:pic>
+        <p:nvPicPr>
+          <p:cNvPr id="23" name="Graphic 22">
+            <a:extLst>
+              <a:ext uri="{FF2B5EF4-FFF2-40B4-BE49-F238E27FC236}">
+                <a16:creationId xmlns:a16="http://schemas.microsoft.com/office/drawing/2014/main" id="{7B166602-7A35-0A99-7BAA-286416800CF6}"/>
+              </a:ext>
+            </a:extLst>
+          </p:cNvPr>
+          <p:cNvPicPr>
+            <a:picLocks noChangeAspect="1"/>
+          </p:cNvPicPr>
+          <p:nvPr/>
+        </p:nvPicPr>
+        <p:blipFill>
+          <a:blip r:embed="rId5">
+            <a:extLst>
+              <a:ext uri="{96DAC541-7B7A-43D3-8B79-37D633B846F1}">
+                <asvg:svgBlip xmlns:asvg="http://schemas.microsoft.com/office/drawing/2016/SVG/main" r:embed="rId6"/>
+              </a:ext>
+            </a:extLst>
+          </a:blip>
+          <a:stretch>
+            <a:fillRect/>
+          </a:stretch>
+        </p:blipFill>
+        <p:spPr>
+          <a:xfrm>
+            <a:off x="4298177" y="5362575"/>
+            <a:ext cx="204902" cy="204902"/>
+          </a:xfrm>
+          <a:prstGeom prst="rect">
+            <a:avLst/>
+          </a:prstGeom>
+        </p:spPr>
+      </p:pic>
+      <p:pic>
+        <p:nvPicPr>
+          <p:cNvPr id="24" name="Graphic 23">
+            <a:extLst>
+              <a:ext uri="{FF2B5EF4-FFF2-40B4-BE49-F238E27FC236}">
+                <a16:creationId xmlns:a16="http://schemas.microsoft.com/office/drawing/2014/main" id="{75D1EA18-46F3-DD86-E5EF-5CAE31E55C9A}"/>
+              </a:ext>
+            </a:extLst>
+          </p:cNvPr>
+          <p:cNvPicPr>
+            <a:picLocks noChangeAspect="1"/>
+          </p:cNvPicPr>
+          <p:nvPr/>
+        </p:nvPicPr>
+        <p:blipFill>
+          <a:blip r:embed="rId5">
+            <a:extLst>
+              <a:ext uri="{96DAC541-7B7A-43D3-8B79-37D633B846F1}">
+                <asvg:svgBlip xmlns:asvg="http://schemas.microsoft.com/office/drawing/2016/SVG/main" r:embed="rId6"/>
+              </a:ext>
+            </a:extLst>
+          </a:blip>
+          <a:stretch>
+            <a:fillRect/>
+          </a:stretch>
+        </p:blipFill>
+        <p:spPr>
+          <a:xfrm>
+            <a:off x="4298177" y="5663905"/>
+            <a:ext cx="204902" cy="204902"/>
+          </a:xfrm>
+          <a:prstGeom prst="rect">
+            <a:avLst/>
+          </a:prstGeom>
+        </p:spPr>
+      </p:pic>
+      <p:pic>
+        <p:nvPicPr>
+          <p:cNvPr id="25" name="Graphic 24">
+            <a:extLst>
+              <a:ext uri="{FF2B5EF4-FFF2-40B4-BE49-F238E27FC236}">
+                <a16:creationId xmlns:a16="http://schemas.microsoft.com/office/drawing/2014/main" id="{D579D875-1C6D-D8D1-B0FF-5E82BD86AFD1}"/>
+              </a:ext>
+            </a:extLst>
+          </p:cNvPr>
+          <p:cNvPicPr>
+            <a:picLocks noChangeAspect="1"/>
+          </p:cNvPicPr>
+          <p:nvPr/>
+        </p:nvPicPr>
+        <p:blipFill>
+          <a:blip r:embed="rId5">
+            <a:extLst>
+              <a:ext uri="{96DAC541-7B7A-43D3-8B79-37D633B846F1}">
+                <asvg:svgBlip xmlns:asvg="http://schemas.microsoft.com/office/drawing/2016/SVG/main" r:embed="rId6"/>
+              </a:ext>
+            </a:extLst>
+          </a:blip>
+          <a:stretch>
+            <a:fillRect/>
+          </a:stretch>
+        </p:blipFill>
+        <p:spPr>
+          <a:xfrm>
+            <a:off x="4298177" y="5965235"/>
+            <a:ext cx="204902" cy="204902"/>
+          </a:xfrm>
+          <a:prstGeom prst="rect">
+            <a:avLst/>
+          </a:prstGeom>
+        </p:spPr>
+      </p:pic>
+      <p:pic>
+        <p:nvPicPr>
+          <p:cNvPr id="26" name="Graphic 25">
+            <a:extLst>
+              <a:ext uri="{FF2B5EF4-FFF2-40B4-BE49-F238E27FC236}">
+                <a16:creationId xmlns:a16="http://schemas.microsoft.com/office/drawing/2014/main" id="{D68E4E20-A870-BA7A-6F88-A8C2C5C682AA}"/>
+              </a:ext>
+            </a:extLst>
+          </p:cNvPr>
+          <p:cNvPicPr>
+            <a:picLocks noChangeAspect="1"/>
+          </p:cNvPicPr>
+          <p:nvPr/>
+        </p:nvPicPr>
+        <p:blipFill>
+          <a:blip r:embed="rId5">
+            <a:extLst>
+              <a:ext uri="{96DAC541-7B7A-43D3-8B79-37D633B846F1}">
+                <asvg:svgBlip xmlns:asvg="http://schemas.microsoft.com/office/drawing/2016/SVG/main" r:embed="rId6"/>
+              </a:ext>
+            </a:extLst>
+          </a:blip>
+          <a:stretch>
+            <a:fillRect/>
+          </a:stretch>
+        </p:blipFill>
+        <p:spPr>
+          <a:xfrm>
+            <a:off x="4298177" y="6260455"/>
+            <a:ext cx="204902" cy="204902"/>
+          </a:xfrm>
+          <a:prstGeom prst="rect">
+            <a:avLst/>
+          </a:prstGeom>
+        </p:spPr>
+      </p:pic>
+    </p:spTree>
+    <p:extLst>
+      <p:ext uri="{BB962C8B-B14F-4D97-AF65-F5344CB8AC3E}">
+        <p14:creationId xmlns:p14="http://schemas.microsoft.com/office/powerpoint/2010/main" val="693497801"/>
+      </p:ext>
+    </p:extLst>
+  </p:cSld>
+  <p:clrMapOvr>
+    <a:masterClrMapping/>
+  </p:clrMapOvr>
+</p:sld>
+</file>
+
+<file path=ppt/slides/slide13.xml><?xml version="1.0" encoding="utf-8"?>
+<p:sld xmlns:a="http://schemas.openxmlformats.org/drawingml/2006/main" xmlns:r="http://schemas.openxmlformats.org/officeDocument/2006/relationships" xmlns:p="http://schemas.openxmlformats.org/presentationml/2006/main">
+  <p:cSld>
+    <p:spTree>
+      <p:nvGrpSpPr>
+        <p:cNvPr id="1" name=""/>
+        <p:cNvGrpSpPr/>
+        <p:nvPr/>
+      </p:nvGrpSpPr>
+      <p:grpSpPr>
+        <a:xfrm>
+          <a:off x="0" y="0"/>
+          <a:ext cx="0" cy="0"/>
+          <a:chOff x="0" y="0"/>
+          <a:chExt cx="0" cy="0"/>
+        </a:xfrm>
+      </p:grpSpPr>
+      <p:sp>
+        <p:nvSpPr>
+          <p:cNvPr id="2" name="Title 1">
+            <a:extLst>
+              <a:ext uri="{FF2B5EF4-FFF2-40B4-BE49-F238E27FC236}">
+                <a16:creationId xmlns:a16="http://schemas.microsoft.com/office/drawing/2014/main" id="{404D0C37-A50C-6BAF-546C-3F80B7B717B9}"/>
+              </a:ext>
+            </a:extLst>
+          </p:cNvPr>
+          <p:cNvSpPr>
+            <a:spLocks noGrp="1"/>
+          </p:cNvSpPr>
+          <p:nvPr>
+            <p:ph type="title"/>
+          </p:nvPr>
+        </p:nvSpPr>
+        <p:spPr>
+          <a:xfrm>
+            <a:off x="6948259" y="0"/>
+            <a:ext cx="4614736" cy="2218079"/>
+          </a:xfrm>
+        </p:spPr>
+        <p:txBody>
+          <a:bodyPr>
+            <a:normAutofit/>
+          </a:bodyPr>
+          <a:lstStyle/>
+          <a:p>
+            <a:r>
+              <a:rPr lang="en-AU" sz="3200" dirty="0">
+                <a:latin typeface="Montserrat Black" pitchFamily="2" charset="0"/>
+              </a:rPr>
+              <a:t>User interface and experience</a:t>
+            </a:r>
+          </a:p>
+        </p:txBody>
+      </p:sp>
+      <p:sp>
+        <p:nvSpPr>
+          <p:cNvPr id="3" name="Rectangle 2">
+            <a:extLst>
+              <a:ext uri="{FF2B5EF4-FFF2-40B4-BE49-F238E27FC236}">
+                <a16:creationId xmlns:a16="http://schemas.microsoft.com/office/drawing/2014/main" id="{F3AA6173-0056-7780-01CB-9272EC9D818D}"/>
+              </a:ext>
+            </a:extLst>
+          </p:cNvPr>
+          <p:cNvSpPr/>
+          <p:nvPr/>
+        </p:nvSpPr>
+        <p:spPr>
+          <a:xfrm>
+            <a:off x="478091" y="4929967"/>
+            <a:ext cx="2973833" cy="1672781"/>
+          </a:xfrm>
+          <a:prstGeom prst="rect">
+            <a:avLst/>
+          </a:prstGeom>
+          <a:solidFill>
+            <a:srgbClr val="00FF00"/>
+          </a:solidFill>
+          <a:ln>
+            <a:noFill/>
+          </a:ln>
+        </p:spPr>
+        <p:style>
+          <a:lnRef idx="2">
+            <a:schemeClr val="accent1">
+              <a:shade val="15000"/>
+            </a:schemeClr>
+          </a:lnRef>
+          <a:fillRef idx="1">
+            <a:schemeClr val="accent1"/>
+          </a:fillRef>
+          <a:effectRef idx="0">
+            <a:schemeClr val="accent1"/>
+          </a:effectRef>
+          <a:fontRef idx="minor">
+            <a:schemeClr val="lt1"/>
+          </a:fontRef>
+        </p:style>
+        <p:txBody>
+          <a:bodyPr rtlCol="0" anchor="ctr"/>
+          <a:lstStyle/>
+          <a:p>
+            <a:pPr algn="ctr"/>
+            <a:endParaRPr lang="en-AU"/>
+          </a:p>
+        </p:txBody>
+      </p:sp>
+      <p:pic>
+        <p:nvPicPr>
+          <p:cNvPr id="8" name="Picture 7">
+            <a:extLst>
+              <a:ext uri="{FF2B5EF4-FFF2-40B4-BE49-F238E27FC236}">
+                <a16:creationId xmlns:a16="http://schemas.microsoft.com/office/drawing/2014/main" id="{F691720E-3E7C-B6A9-A217-34624246C7AC}"/>
+              </a:ext>
+            </a:extLst>
+          </p:cNvPr>
+          <p:cNvPicPr>
+            <a:picLocks noChangeAspect="1"/>
+          </p:cNvPicPr>
+          <p:nvPr/>
+        </p:nvPicPr>
+        <p:blipFill>
+          <a:blip r:embed="rId2"/>
+          <a:stretch>
+            <a:fillRect/>
+          </a:stretch>
+        </p:blipFill>
+        <p:spPr>
+          <a:xfrm>
+            <a:off x="629005" y="231700"/>
+            <a:ext cx="2882794" cy="1955799"/>
+          </a:xfrm>
+          <a:prstGeom prst="rect">
+            <a:avLst/>
+          </a:prstGeom>
+        </p:spPr>
+      </p:pic>
+      <p:pic>
+        <p:nvPicPr>
+          <p:cNvPr id="10" name="Picture 9">
+            <a:extLst>
+              <a:ext uri="{FF2B5EF4-FFF2-40B4-BE49-F238E27FC236}">
+                <a16:creationId xmlns:a16="http://schemas.microsoft.com/office/drawing/2014/main" id="{8CCACCAB-682B-D075-FAD0-1272EFA9D99E}"/>
+              </a:ext>
+            </a:extLst>
+          </p:cNvPr>
+          <p:cNvPicPr>
+            <a:picLocks noChangeAspect="1"/>
+          </p:cNvPicPr>
+          <p:nvPr/>
+        </p:nvPicPr>
+        <p:blipFill>
+          <a:blip r:embed="rId3"/>
+          <a:stretch>
+            <a:fillRect/>
+          </a:stretch>
+        </p:blipFill>
+        <p:spPr>
+          <a:xfrm>
+            <a:off x="629005" y="2693359"/>
+            <a:ext cx="2882794" cy="1730748"/>
+          </a:xfrm>
+          <a:prstGeom prst="rect">
+            <a:avLst/>
+          </a:prstGeom>
+        </p:spPr>
+      </p:pic>
+      <p:pic>
+        <p:nvPicPr>
+          <p:cNvPr id="12" name="Picture 11">
+            <a:extLst>
+              <a:ext uri="{FF2B5EF4-FFF2-40B4-BE49-F238E27FC236}">
+                <a16:creationId xmlns:a16="http://schemas.microsoft.com/office/drawing/2014/main" id="{E30361A4-024C-B4AD-F6FE-D70C9D185F14}"/>
+              </a:ext>
+            </a:extLst>
+          </p:cNvPr>
+          <p:cNvPicPr>
+            <a:picLocks noChangeAspect="1"/>
+          </p:cNvPicPr>
+          <p:nvPr/>
+        </p:nvPicPr>
+        <p:blipFill>
+          <a:blip r:embed="rId4"/>
+          <a:stretch>
+            <a:fillRect/>
+          </a:stretch>
+        </p:blipFill>
+        <p:spPr>
+          <a:xfrm>
+            <a:off x="4047328" y="2218078"/>
+            <a:ext cx="7515666" cy="4384669"/>
+          </a:xfrm>
+          <a:prstGeom prst="rect">
+            <a:avLst/>
+          </a:prstGeom>
+        </p:spPr>
+      </p:pic>
+      <p:pic>
+        <p:nvPicPr>
+          <p:cNvPr id="14" name="Picture 13">
+            <a:extLst>
+              <a:ext uri="{FF2B5EF4-FFF2-40B4-BE49-F238E27FC236}">
+                <a16:creationId xmlns:a16="http://schemas.microsoft.com/office/drawing/2014/main" id="{2B4525D9-8A66-2A56-4964-794F1C21E8E3}"/>
+              </a:ext>
+            </a:extLst>
+          </p:cNvPr>
+          <p:cNvPicPr>
+            <a:picLocks noChangeAspect="1"/>
+          </p:cNvPicPr>
+          <p:nvPr/>
+        </p:nvPicPr>
+        <p:blipFill>
+          <a:blip r:embed="rId5"/>
+          <a:stretch>
+            <a:fillRect/>
+          </a:stretch>
+        </p:blipFill>
+        <p:spPr>
+          <a:xfrm>
+            <a:off x="4047328" y="231700"/>
+            <a:ext cx="2632969" cy="1831159"/>
+          </a:xfrm>
+          <a:prstGeom prst="rect">
+            <a:avLst/>
+          </a:prstGeom>
+        </p:spPr>
+      </p:pic>
+    </p:spTree>
+    <p:extLst>
+      <p:ext uri="{BB962C8B-B14F-4D97-AF65-F5344CB8AC3E}">
+        <p14:creationId xmlns:p14="http://schemas.microsoft.com/office/powerpoint/2010/main" val="1837054847"/>
+      </p:ext>
+    </p:extLst>
+  </p:cSld>
+  <p:clrMapOvr>
+    <a:masterClrMapping/>
+  </p:clrMapOvr>
+</p:sld>
+</file>
+
+<file path=ppt/slides/slide14.xml><?xml version="1.0" encoding="utf-8"?>
+<p:sld xmlns:a="http://schemas.openxmlformats.org/drawingml/2006/main" xmlns:r="http://schemas.openxmlformats.org/officeDocument/2006/relationships" xmlns:p="http://schemas.openxmlformats.org/presentationml/2006/main">
+  <p:cSld>
+    <p:spTree>
+      <p:nvGrpSpPr>
+        <p:cNvPr id="1" name=""/>
+        <p:cNvGrpSpPr/>
+        <p:nvPr/>
+      </p:nvGrpSpPr>
+      <p:grpSpPr>
+        <a:xfrm>
+          <a:off x="0" y="0"/>
+          <a:ext cx="0" cy="0"/>
+          <a:chOff x="0" y="0"/>
+          <a:chExt cx="0" cy="0"/>
+        </a:xfrm>
+      </p:grpSpPr>
+      <p:sp>
+        <p:nvSpPr>
+          <p:cNvPr id="2" name="Title 1">
+            <a:extLst>
+              <a:ext uri="{FF2B5EF4-FFF2-40B4-BE49-F238E27FC236}">
+                <a16:creationId xmlns:a16="http://schemas.microsoft.com/office/drawing/2014/main" id="{404D0C37-A50C-6BAF-546C-3F80B7B717B9}"/>
+              </a:ext>
+            </a:extLst>
+          </p:cNvPr>
+          <p:cNvSpPr>
+            <a:spLocks noGrp="1"/>
+          </p:cNvSpPr>
+          <p:nvPr>
+            <p:ph type="title"/>
+          </p:nvPr>
+        </p:nvSpPr>
+        <p:spPr>
+          <a:xfrm>
             <a:off x="838200" y="572159"/>
             <a:ext cx="6391275" cy="799441"/>
           </a:xfrm>
@@ -5833,7 +7318,7 @@
 </p:sld>
 </file>
 
-<file path=ppt/slides/slide13.xml><?xml version="1.0" encoding="utf-8"?>
+<file path=ppt/slides/slide15.xml><?xml version="1.0" encoding="utf-8"?>
 <p:sld xmlns:a="http://schemas.openxmlformats.org/drawingml/2006/main" xmlns:r="http://schemas.openxmlformats.org/officeDocument/2006/relationships" xmlns:p="http://schemas.openxmlformats.org/presentationml/2006/main">
   <p:cSld>
     <p:spTree>
@@ -6778,7 +8263,7 @@
         </p:nvSpPr>
         <p:spPr>
           <a:xfrm rot="5400000">
-            <a:off x="10376969" y="3963658"/>
+            <a:off x="10376969" y="3992233"/>
             <a:ext cx="1927225" cy="965863"/>
           </a:xfrm>
           <a:prstGeom prst="rect">
@@ -7132,7 +8617,7 @@
         </p:nvSpPr>
         <p:spPr>
           <a:xfrm>
-            <a:off x="10857646" y="4115458"/>
+            <a:off x="10857646" y="4144033"/>
             <a:ext cx="965864" cy="400110"/>
           </a:xfrm>
           <a:prstGeom prst="rect">
@@ -9624,13 +11109,13 @@
         </p:nvSpPr>
         <p:spPr>
           <a:xfrm>
-            <a:off x="838200" y="572159"/>
-            <a:ext cx="10515600" cy="799441"/>
+            <a:off x="162371" y="367060"/>
+            <a:ext cx="7050280" cy="799441"/>
           </a:xfrm>
         </p:spPr>
         <p:txBody>
           <a:bodyPr>
-            <a:normAutofit/>
+            <a:normAutofit fontScale="90000"/>
           </a:bodyPr>
           <a:lstStyle/>
           <a:p>
@@ -9645,10 +11130,10 @@
       </p:sp>
       <p:pic>
         <p:nvPicPr>
-          <p:cNvPr id="4" name="Picture 3">
-            <a:extLst>
-              <a:ext uri="{FF2B5EF4-FFF2-40B4-BE49-F238E27FC236}">
-                <a16:creationId xmlns:a16="http://schemas.microsoft.com/office/drawing/2014/main" id="{145B543D-E4D5-F091-4F0D-71C2C02FCCCF}"/>
+          <p:cNvPr id="6" name="Picture 5">
+            <a:extLst>
+              <a:ext uri="{FF2B5EF4-FFF2-40B4-BE49-F238E27FC236}">
+                <a16:creationId xmlns:a16="http://schemas.microsoft.com/office/drawing/2014/main" id="{69EFE09C-4059-69D9-AA49-547BDDF0C3F3}"/>
               </a:ext>
             </a:extLst>
           </p:cNvPr>
@@ -9665,8 +11150,8 @@
         </p:blipFill>
         <p:spPr>
           <a:xfrm>
-            <a:off x="838200" y="1947656"/>
-            <a:ext cx="4410691" cy="2962688"/>
+            <a:off x="1267823" y="1371600"/>
+            <a:ext cx="4839375" cy="3353268"/>
           </a:xfrm>
           <a:prstGeom prst="rect">
             <a:avLst/>
@@ -9675,10 +11160,10 @@
       </p:pic>
       <p:pic>
         <p:nvPicPr>
-          <p:cNvPr id="5" name="Picture 4">
-            <a:extLst>
-              <a:ext uri="{FF2B5EF4-FFF2-40B4-BE49-F238E27FC236}">
-                <a16:creationId xmlns:a16="http://schemas.microsoft.com/office/drawing/2014/main" id="{1BC7E956-6273-9390-7879-10F459AD2F58}"/>
+          <p:cNvPr id="8" name="Picture 7">
+            <a:extLst>
+              <a:ext uri="{FF2B5EF4-FFF2-40B4-BE49-F238E27FC236}">
+                <a16:creationId xmlns:a16="http://schemas.microsoft.com/office/drawing/2014/main" id="{CA63E036-C595-E783-4B7B-60B33D28CFA0}"/>
               </a:ext>
             </a:extLst>
           </p:cNvPr>
@@ -9695,8 +11180,8 @@
         </p:blipFill>
         <p:spPr>
           <a:xfrm>
-            <a:off x="6943111" y="1371600"/>
-            <a:ext cx="4042053" cy="5301734"/>
+            <a:off x="7868401" y="51275"/>
+            <a:ext cx="3546405" cy="6755450"/>
           </a:xfrm>
           <a:prstGeom prst="rect">
             <a:avLst/>
@@ -9941,20 +11426,23 @@
           <a:lstStyle/>
           <a:p>
             <a:r>
-              <a:rPr lang="en-AU" sz="3200" dirty="0">
+              <a:rPr lang="en-AU" sz="3200">
                 <a:latin typeface="Montserrat Black" pitchFamily="2" charset="0"/>
               </a:rPr>
               <a:t>Iteration 1: MOVE GENERATION</a:t>
             </a:r>
+            <a:endParaRPr lang="en-AU" sz="3200" dirty="0">
+              <a:latin typeface="Montserrat Black" pitchFamily="2" charset="0"/>
+            </a:endParaRPr>
           </a:p>
         </p:txBody>
       </p:sp>
       <p:pic>
         <p:nvPicPr>
-          <p:cNvPr id="6" name="Picture 5" descr="A computer screen shot of a program&#10;&#10;Description automatically generated">
-            <a:extLst>
-              <a:ext uri="{FF2B5EF4-FFF2-40B4-BE49-F238E27FC236}">
-                <a16:creationId xmlns:a16="http://schemas.microsoft.com/office/drawing/2014/main" id="{5BAA0CA4-D0C9-2F65-B686-3AE9359DF0AA}"/>
+          <p:cNvPr id="4" name="Picture 3">
+            <a:extLst>
+              <a:ext uri="{FF2B5EF4-FFF2-40B4-BE49-F238E27FC236}">
+                <a16:creationId xmlns:a16="http://schemas.microsoft.com/office/drawing/2014/main" id="{011A09AD-19DD-B649-E7E2-F6C863CF5F06}"/>
               </a:ext>
             </a:extLst>
           </p:cNvPr>
@@ -9971,8 +11459,8 @@
         </p:blipFill>
         <p:spPr>
           <a:xfrm>
-            <a:off x="300708" y="1457265"/>
-            <a:ext cx="6249617" cy="3437288"/>
+            <a:off x="7621153" y="1457265"/>
+            <a:ext cx="4182059" cy="4877481"/>
           </a:xfrm>
           <a:prstGeom prst="rect">
             <a:avLst/>
@@ -9981,10 +11469,10 @@
       </p:pic>
       <p:pic>
         <p:nvPicPr>
-          <p:cNvPr id="7" name="Picture 6">
-            <a:extLst>
-              <a:ext uri="{FF2B5EF4-FFF2-40B4-BE49-F238E27FC236}">
-                <a16:creationId xmlns:a16="http://schemas.microsoft.com/office/drawing/2014/main" id="{368D6579-CFD3-85B3-3B41-A16F26BA6C6A}"/>
+          <p:cNvPr id="9" name="Picture 8">
+            <a:extLst>
+              <a:ext uri="{FF2B5EF4-FFF2-40B4-BE49-F238E27FC236}">
+                <a16:creationId xmlns:a16="http://schemas.microsoft.com/office/drawing/2014/main" id="{26D7B0D6-3F50-9D09-4DCE-D3E7A10E6B0E}"/>
               </a:ext>
             </a:extLst>
           </p:cNvPr>
@@ -10001,8 +11489,8 @@
         </p:blipFill>
         <p:spPr>
           <a:xfrm>
-            <a:off x="6997700" y="1457265"/>
-            <a:ext cx="4737100" cy="4908914"/>
+            <a:off x="647386" y="1371600"/>
+            <a:ext cx="4496427" cy="3924848"/>
           </a:xfrm>
           <a:prstGeom prst="rect">
             <a:avLst/>
@@ -10011,10 +11499,10 @@
       </p:pic>
       <p:pic>
         <p:nvPicPr>
-          <p:cNvPr id="8" name="Picture 7" descr="A screen shot of a computer program&#10;&#10;Description automatically generated">
-            <a:extLst>
-              <a:ext uri="{FF2B5EF4-FFF2-40B4-BE49-F238E27FC236}">
-                <a16:creationId xmlns:a16="http://schemas.microsoft.com/office/drawing/2014/main" id="{32707295-AD3A-A215-2905-D0838D77314E}"/>
+          <p:cNvPr id="11" name="Picture 10">
+            <a:extLst>
+              <a:ext uri="{FF2B5EF4-FFF2-40B4-BE49-F238E27FC236}">
+                <a16:creationId xmlns:a16="http://schemas.microsoft.com/office/drawing/2014/main" id="{442A53FD-176B-653F-FE7E-EC9E20DA7F13}"/>
               </a:ext>
             </a:extLst>
           </p:cNvPr>
@@ -10031,8 +11519,8 @@
         </p:blipFill>
         <p:spPr>
           <a:xfrm>
-            <a:off x="1438451" y="5400735"/>
-            <a:ext cx="4201273" cy="965444"/>
+            <a:off x="647386" y="5418952"/>
+            <a:ext cx="4496427" cy="1171796"/>
           </a:xfrm>
           <a:prstGeom prst="rect">
             <a:avLst/>
@@ -10938,15 +12426,6 @@
 </file>
 
 <file path=customXml/item1.xml><?xml version="1.0" encoding="utf-8"?>
-<?mso-contentType ?>
-<FormTemplates xmlns="http://schemas.microsoft.com/sharepoint/v3/contenttype/forms">
-  <Display>DocumentLibraryForm</Display>
-  <Edit>DocumentLibraryForm</Edit>
-  <New>DocumentLibraryForm</New>
-</FormTemplates>
-</file>
-
-<file path=customXml/item2.xml><?xml version="1.0" encoding="utf-8"?>
 <ct:contentTypeSchema xmlns:ct="http://schemas.microsoft.com/office/2006/metadata/contentType" xmlns:ma="http://schemas.microsoft.com/office/2006/metadata/properties/metaAttributes" ct:_="" ma:_="" ma:contentTypeName="Document" ma:contentTypeID="0x01010079F111ED35F8CC479449609E8A0923A6" ma:contentTypeVersion="12" ma:contentTypeDescription="Create a new document." ma:contentTypeScope="" ma:versionID="426e97fa315356fffbdcd9876fe988c2">
   <xsd:schema xmlns:xsd="http://www.w3.org/2001/XMLSchema" xmlns:xs="http://www.w3.org/2001/XMLSchema" xmlns:p="http://schemas.microsoft.com/office/2006/metadata/properties" xmlns:ns2="71af3243-3dd4-4a8d-8c0d-dd76da1f02a5" xmlns:ns3="16c05727-aa75-4e4a-9b5f-8a80a1165891" targetNamespace="http://schemas.microsoft.com/office/2006/metadata/properties" ma:root="true" ma:fieldsID="14b8f0def80e6d70ce3def20c90759ae" ns2:_="" ns3:_="">
     <xsd:import namespace="71af3243-3dd4-4a8d-8c0d-dd76da1f02a5"/>
@@ -11167,6 +12646,15 @@
 </ct:contentTypeSchema>
 </file>
 
+<file path=customXml/item2.xml><?xml version="1.0" encoding="utf-8"?>
+<?mso-contentType ?>
+<FormTemplates xmlns="http://schemas.microsoft.com/sharepoint/v3/contenttype/forms">
+  <Display>DocumentLibraryForm</Display>
+  <Edit>DocumentLibraryForm</Edit>
+  <New>DocumentLibraryForm</New>
+</FormTemplates>
+</file>
+
 <file path=customXml/item3.xml><?xml version="1.0" encoding="utf-8"?>
 <p:properties xmlns:p="http://schemas.microsoft.com/office/2006/metadata/properties" xmlns:xsi="http://www.w3.org/2001/XMLSchema-instance" xmlns:pc="http://schemas.microsoft.com/office/infopath/2007/PartnerControls">
   <documentManagement>
@@ -11177,14 +12665,6 @@
 </file>
 
 <file path=customXml/itemProps1.xml><?xml version="1.0" encoding="utf-8"?>
-<ds:datastoreItem xmlns:ds="http://schemas.openxmlformats.org/officeDocument/2006/customXml" ds:itemID="{1B7E2D32-4FDD-4266-880C-17595B801432}">
-  <ds:schemaRefs>
-    <ds:schemaRef ds:uri="http://schemas.microsoft.com/sharepoint/v3/contenttype/forms"/>
-  </ds:schemaRefs>
-</ds:datastoreItem>
-</file>
-
-<file path=customXml/itemProps2.xml><?xml version="1.0" encoding="utf-8"?>
 <ds:datastoreItem xmlns:ds="http://schemas.openxmlformats.org/officeDocument/2006/customXml" ds:itemID="{55BB9993-D5F9-46FA-B2E5-80E3632E9820}">
   <ds:schemaRefs>
     <ds:schemaRef ds:uri="http://schemas.microsoft.com/office/2006/metadata/contentType"/>
@@ -11203,6 +12683,14 @@
 </ds:datastoreItem>
 </file>
 
+<file path=customXml/itemProps2.xml><?xml version="1.0" encoding="utf-8"?>
+<ds:datastoreItem xmlns:ds="http://schemas.openxmlformats.org/officeDocument/2006/customXml" ds:itemID="{1B7E2D32-4FDD-4266-880C-17595B801432}">
+  <ds:schemaRefs>
+    <ds:schemaRef ds:uri="http://schemas.microsoft.com/sharepoint/v3/contenttype/forms"/>
+  </ds:schemaRefs>
+</ds:datastoreItem>
+</file>
+
 <file path=customXml/itemProps3.xml><?xml version="1.0" encoding="utf-8"?>
 <ds:datastoreItem xmlns:ds="http://schemas.openxmlformats.org/officeDocument/2006/customXml" ds:itemID="{E3D9F223-918A-45AF-9B53-56AB9E5E2182}">
   <ds:schemaRefs>

--- a/Individual Digital solution.pptx
+++ b/Individual Digital solution.pptx
@@ -5,10 +5,10 @@
     <p:sldMasterId id="2147483648" r:id="rId4"/>
   </p:sldMasterIdLst>
   <p:notesMasterIdLst>
-    <p:notesMasterId r:id="rId20"/>
+    <p:notesMasterId r:id="rId21"/>
   </p:notesMasterIdLst>
   <p:handoutMasterIdLst>
-    <p:handoutMasterId r:id="rId21"/>
+    <p:handoutMasterId r:id="rId22"/>
   </p:handoutMasterIdLst>
   <p:sldIdLst>
     <p:sldId id="2448" r:id="rId5"/>
@@ -25,7 +25,8 @@
     <p:sldId id="2472" r:id="rId16"/>
     <p:sldId id="2473" r:id="rId17"/>
     <p:sldId id="2471" r:id="rId18"/>
-    <p:sldId id="265" r:id="rId19"/>
+    <p:sldId id="2474" r:id="rId19"/>
+    <p:sldId id="265" r:id="rId20"/>
   </p:sldIdLst>
   <p:sldSz cx="12192000" cy="6858000"/>
   <p:notesSz cx="6858000" cy="9144000"/>
@@ -763,7 +764,7 @@
           <a:p>
             <a:fld id="{966D5B4E-BF3E-3B45-A4BA-D6C3B92870D7}" type="datetimeFigureOut">
               <a:rPr lang="en-US" smtClean="0"/>
-              <a:t>10/21/2023</a:t>
+              <a:t>10/22/2023</a:t>
             </a:fld>
             <a:endParaRPr lang="en-US" dirty="0"/>
           </a:p>
@@ -940,7 +941,7 @@
           <a:p>
             <a:fld id="{F5A8621B-8C8E-49BA-8772-41D0FE75A082}" type="datetimeFigureOut">
               <a:rPr lang="en-US" smtClean="0"/>
-              <a:t>10/21/2023</a:t>
+              <a:t>10/22/2023</a:t>
             </a:fld>
             <a:endParaRPr lang="en-US" dirty="0"/>
           </a:p>
@@ -2426,7 +2427,7 @@
           <a:p>
             <a:fld id="{60348797-CA49-41FD-8751-744EB1DC12C4}" type="datetimeFigureOut">
               <a:rPr lang="en-AU" smtClean="0"/>
-              <a:t>21/10/2023</a:t>
+              <a:t>22/10/2023</a:t>
             </a:fld>
             <a:endParaRPr lang="en-AU"/>
           </a:p>
@@ -6009,12 +6010,72 @@
           </a:p>
         </p:txBody>
       </p:sp>
-      <p:sp>
-        <p:nvSpPr>
-          <p:cNvPr id="3" name="Rectangle 2">
-            <a:extLst>
-              <a:ext uri="{FF2B5EF4-FFF2-40B4-BE49-F238E27FC236}">
-                <a16:creationId xmlns:a16="http://schemas.microsoft.com/office/drawing/2014/main" id="{5E0A7C29-1459-FA0C-51BD-9EAD5011820D}"/>
+      <p:pic>
+        <p:nvPicPr>
+          <p:cNvPr id="5" name="Picture 4">
+            <a:extLst>
+              <a:ext uri="{FF2B5EF4-FFF2-40B4-BE49-F238E27FC236}">
+                <a16:creationId xmlns:a16="http://schemas.microsoft.com/office/drawing/2014/main" id="{EF812434-3238-F380-9DC2-9F6CFFEC566B}"/>
+              </a:ext>
+            </a:extLst>
+          </p:cNvPr>
+          <p:cNvPicPr>
+            <a:picLocks noChangeAspect="1"/>
+          </p:cNvPicPr>
+          <p:nvPr/>
+        </p:nvPicPr>
+        <p:blipFill>
+          <a:blip r:embed="rId2"/>
+          <a:stretch>
+            <a:fillRect/>
+          </a:stretch>
+        </p:blipFill>
+        <p:spPr>
+          <a:xfrm>
+            <a:off x="6634759" y="132771"/>
+            <a:ext cx="5133756" cy="6620454"/>
+          </a:xfrm>
+          <a:prstGeom prst="rect">
+            <a:avLst/>
+          </a:prstGeom>
+        </p:spPr>
+      </p:pic>
+      <p:pic>
+        <p:nvPicPr>
+          <p:cNvPr id="9" name="Picture 8">
+            <a:extLst>
+              <a:ext uri="{FF2B5EF4-FFF2-40B4-BE49-F238E27FC236}">
+                <a16:creationId xmlns:a16="http://schemas.microsoft.com/office/drawing/2014/main" id="{C8D41A51-FED0-56E0-21F7-5A3A648C2C3F}"/>
+              </a:ext>
+            </a:extLst>
+          </p:cNvPr>
+          <p:cNvPicPr>
+            <a:picLocks noChangeAspect="1"/>
+          </p:cNvPicPr>
+          <p:nvPr/>
+        </p:nvPicPr>
+        <p:blipFill>
+          <a:blip r:embed="rId3"/>
+          <a:stretch>
+            <a:fillRect/>
+          </a:stretch>
+        </p:blipFill>
+        <p:spPr>
+          <a:xfrm>
+            <a:off x="805889" y="902819"/>
+            <a:ext cx="3584277" cy="3446420"/>
+          </a:xfrm>
+          <a:prstGeom prst="rect">
+            <a:avLst/>
+          </a:prstGeom>
+        </p:spPr>
+      </p:pic>
+      <p:sp>
+        <p:nvSpPr>
+          <p:cNvPr id="7" name="Rectangle 6">
+            <a:extLst>
+              <a:ext uri="{FF2B5EF4-FFF2-40B4-BE49-F238E27FC236}">
+                <a16:creationId xmlns:a16="http://schemas.microsoft.com/office/drawing/2014/main" id="{84AE8B28-6238-8FF5-1BD0-6E5703196149}"/>
               </a:ext>
             </a:extLst>
           </p:cNvPr>
@@ -6023,8 +6084,8 @@
         </p:nvSpPr>
         <p:spPr>
           <a:xfrm>
-            <a:off x="478091" y="4929967"/>
-            <a:ext cx="2973833" cy="1672781"/>
+            <a:off x="94886" y="4612785"/>
+            <a:ext cx="3838143" cy="2158955"/>
           </a:xfrm>
           <a:prstGeom prst="rect">
             <a:avLst/>
@@ -6061,66 +6122,144 @@
           </a:p>
         </p:txBody>
       </p:sp>
-      <p:pic>
-        <p:nvPicPr>
-          <p:cNvPr id="5" name="Picture 4">
-            <a:extLst>
-              <a:ext uri="{FF2B5EF4-FFF2-40B4-BE49-F238E27FC236}">
-                <a16:creationId xmlns:a16="http://schemas.microsoft.com/office/drawing/2014/main" id="{EF812434-3238-F380-9DC2-9F6CFFEC566B}"/>
-              </a:ext>
-            </a:extLst>
-          </p:cNvPr>
-          <p:cNvPicPr>
-            <a:picLocks noChangeAspect="1"/>
-          </p:cNvPicPr>
+      <p:sp>
+        <p:nvSpPr>
+          <p:cNvPr id="3" name="Rectangle 2">
+            <a:extLst>
+              <a:ext uri="{FF2B5EF4-FFF2-40B4-BE49-F238E27FC236}">
+                <a16:creationId xmlns:a16="http://schemas.microsoft.com/office/drawing/2014/main" id="{EA1CB75E-21DC-0591-2259-5CD24017179C}"/>
+              </a:ext>
+            </a:extLst>
+          </p:cNvPr>
+          <p:cNvSpPr/>
           <p:nvPr/>
-        </p:nvPicPr>
-        <p:blipFill>
-          <a:blip r:embed="rId2"/>
-          <a:stretch>
-            <a:fillRect/>
-          </a:stretch>
-        </p:blipFill>
-        <p:spPr>
-          <a:xfrm>
-            <a:off x="6634759" y="132771"/>
-            <a:ext cx="5133756" cy="6620454"/>
+        </p:nvSpPr>
+        <p:spPr>
+          <a:xfrm>
+            <a:off x="94886" y="4612785"/>
+            <a:ext cx="3838143" cy="2158955"/>
           </a:xfrm>
           <a:prstGeom prst="rect">
             <a:avLst/>
           </a:prstGeom>
-        </p:spPr>
-      </p:pic>
-      <p:pic>
-        <p:nvPicPr>
-          <p:cNvPr id="9" name="Picture 8">
-            <a:extLst>
-              <a:ext uri="{FF2B5EF4-FFF2-40B4-BE49-F238E27FC236}">
-                <a16:creationId xmlns:a16="http://schemas.microsoft.com/office/drawing/2014/main" id="{C8D41A51-FED0-56E0-21F7-5A3A648C2C3F}"/>
-              </a:ext>
-            </a:extLst>
-          </p:cNvPr>
-          <p:cNvPicPr>
-            <a:picLocks noChangeAspect="1"/>
-          </p:cNvPicPr>
+          <a:solidFill>
+            <a:srgbClr val="00FF00"/>
+          </a:solidFill>
+          <a:ln>
+            <a:noFill/>
+          </a:ln>
+        </p:spPr>
+        <p:style>
+          <a:lnRef idx="2">
+            <a:schemeClr val="accent1">
+              <a:shade val="15000"/>
+            </a:schemeClr>
+          </a:lnRef>
+          <a:fillRef idx="1">
+            <a:schemeClr val="accent1"/>
+          </a:fillRef>
+          <a:effectRef idx="0">
+            <a:schemeClr val="accent1"/>
+          </a:effectRef>
+          <a:fontRef idx="minor">
+            <a:schemeClr val="lt1"/>
+          </a:fontRef>
+        </p:style>
+        <p:txBody>
+          <a:bodyPr rtlCol="0" anchor="ctr"/>
+          <a:lstStyle/>
+          <a:p>
+            <a:pPr algn="ctr"/>
+            <a:endParaRPr lang="en-AU"/>
+          </a:p>
+        </p:txBody>
+      </p:sp>
+      <p:sp>
+        <p:nvSpPr>
+          <p:cNvPr id="4" name="TextBox 3">
+            <a:extLst>
+              <a:ext uri="{FF2B5EF4-FFF2-40B4-BE49-F238E27FC236}">
+                <a16:creationId xmlns:a16="http://schemas.microsoft.com/office/drawing/2014/main" id="{AB85CA19-0071-2595-7C51-311A498D9E53}"/>
+              </a:ext>
+            </a:extLst>
+          </p:cNvPr>
+          <p:cNvSpPr txBox="1"/>
           <p:nvPr/>
-        </p:nvPicPr>
-        <p:blipFill>
-          <a:blip r:embed="rId3"/>
-          <a:stretch>
-            <a:fillRect/>
-          </a:stretch>
-        </p:blipFill>
-        <p:spPr>
-          <a:xfrm>
-            <a:off x="478090" y="904755"/>
-            <a:ext cx="4065335" cy="3908976"/>
+        </p:nvSpPr>
+        <p:spPr>
+          <a:xfrm>
+            <a:off x="1078302" y="4351175"/>
+            <a:ext cx="2854727" cy="523220"/>
           </a:xfrm>
           <a:prstGeom prst="rect">
             <a:avLst/>
           </a:prstGeom>
-        </p:spPr>
-      </p:pic>
+          <a:noFill/>
+        </p:spPr>
+        <p:txBody>
+          <a:bodyPr wrap="square" rtlCol="0">
+            <a:spAutoFit/>
+          </a:bodyPr>
+          <a:lstStyle/>
+          <a:p>
+            <a:pPr algn="ctr"/>
+            <a:r>
+              <a:rPr lang="en-AU" sz="2800" b="1" dirty="0">
+                <a:ln w="19050">
+                  <a:solidFill>
+                    <a:schemeClr val="bg1"/>
+                  </a:solidFill>
+                </a:ln>
+                <a:latin typeface="Montserrat Black" pitchFamily="2" charset="0"/>
+              </a:rPr>
+              <a:t>EVIDENCE OF</a:t>
+            </a:r>
+          </a:p>
+        </p:txBody>
+      </p:sp>
+      <p:sp>
+        <p:nvSpPr>
+          <p:cNvPr id="6" name="TextBox 5">
+            <a:extLst>
+              <a:ext uri="{FF2B5EF4-FFF2-40B4-BE49-F238E27FC236}">
+                <a16:creationId xmlns:a16="http://schemas.microsoft.com/office/drawing/2014/main" id="{18824AC7-975D-C426-526A-F68D83DC69D7}"/>
+              </a:ext>
+            </a:extLst>
+          </p:cNvPr>
+          <p:cNvSpPr txBox="1"/>
+          <p:nvPr/>
+        </p:nvSpPr>
+        <p:spPr>
+          <a:xfrm rot="5400000">
+            <a:off x="2853552" y="5430655"/>
+            <a:ext cx="2158953" cy="523220"/>
+          </a:xfrm>
+          <a:prstGeom prst="rect">
+            <a:avLst/>
+          </a:prstGeom>
+          <a:noFill/>
+        </p:spPr>
+        <p:txBody>
+          <a:bodyPr wrap="square" rtlCol="0">
+            <a:spAutoFit/>
+          </a:bodyPr>
+          <a:lstStyle/>
+          <a:p>
+            <a:pPr algn="ctr"/>
+            <a:r>
+              <a:rPr lang="en-AU" sz="2800" b="1" dirty="0">
+                <a:ln w="19050">
+                  <a:solidFill>
+                    <a:schemeClr val="bg1"/>
+                  </a:solidFill>
+                </a:ln>
+                <a:latin typeface="Montserrat Black" pitchFamily="2" charset="0"/>
+              </a:rPr>
+              <a:t>WORKING</a:t>
+            </a:r>
+          </a:p>
+        </p:txBody>
+      </p:sp>
     </p:spTree>
     <p:extLst>
       <p:ext uri="{BB962C8B-B14F-4D97-AF65-F5344CB8AC3E}">
@@ -6243,8 +6382,8 @@
         </p:nvSpPr>
         <p:spPr>
           <a:xfrm>
-            <a:off x="478091" y="4929967"/>
-            <a:ext cx="2973833" cy="1672781"/>
+            <a:off x="94886" y="4612785"/>
+            <a:ext cx="3838143" cy="2158955"/>
           </a:xfrm>
           <a:prstGeom prst="rect">
             <a:avLst/>
@@ -6278,6 +6417,144 @@
           <a:p>
             <a:pPr algn="ctr"/>
             <a:endParaRPr lang="en-AU"/>
+          </a:p>
+        </p:txBody>
+      </p:sp>
+      <p:sp>
+        <p:nvSpPr>
+          <p:cNvPr id="8" name="Rectangle 7">
+            <a:extLst>
+              <a:ext uri="{FF2B5EF4-FFF2-40B4-BE49-F238E27FC236}">
+                <a16:creationId xmlns:a16="http://schemas.microsoft.com/office/drawing/2014/main" id="{959DEF0A-46FB-4E82-7B79-FBE8C4F61931}"/>
+              </a:ext>
+            </a:extLst>
+          </p:cNvPr>
+          <p:cNvSpPr/>
+          <p:nvPr/>
+        </p:nvSpPr>
+        <p:spPr>
+          <a:xfrm>
+            <a:off x="94886" y="4612785"/>
+            <a:ext cx="3838143" cy="2158955"/>
+          </a:xfrm>
+          <a:prstGeom prst="rect">
+            <a:avLst/>
+          </a:prstGeom>
+          <a:solidFill>
+            <a:srgbClr val="00FF00"/>
+          </a:solidFill>
+          <a:ln>
+            <a:noFill/>
+          </a:ln>
+        </p:spPr>
+        <p:style>
+          <a:lnRef idx="2">
+            <a:schemeClr val="accent1">
+              <a:shade val="15000"/>
+            </a:schemeClr>
+          </a:lnRef>
+          <a:fillRef idx="1">
+            <a:schemeClr val="accent1"/>
+          </a:fillRef>
+          <a:effectRef idx="0">
+            <a:schemeClr val="accent1"/>
+          </a:effectRef>
+          <a:fontRef idx="minor">
+            <a:schemeClr val="lt1"/>
+          </a:fontRef>
+        </p:style>
+        <p:txBody>
+          <a:bodyPr rtlCol="0" anchor="ctr"/>
+          <a:lstStyle/>
+          <a:p>
+            <a:pPr algn="ctr"/>
+            <a:endParaRPr lang="en-AU"/>
+          </a:p>
+        </p:txBody>
+      </p:sp>
+      <p:sp>
+        <p:nvSpPr>
+          <p:cNvPr id="9" name="TextBox 8">
+            <a:extLst>
+              <a:ext uri="{FF2B5EF4-FFF2-40B4-BE49-F238E27FC236}">
+                <a16:creationId xmlns:a16="http://schemas.microsoft.com/office/drawing/2014/main" id="{39F2C075-A80A-54A3-8EC7-92CEB1D14AB7}"/>
+              </a:ext>
+            </a:extLst>
+          </p:cNvPr>
+          <p:cNvSpPr txBox="1"/>
+          <p:nvPr/>
+        </p:nvSpPr>
+        <p:spPr>
+          <a:xfrm>
+            <a:off x="1078302" y="4351175"/>
+            <a:ext cx="2854727" cy="523220"/>
+          </a:xfrm>
+          <a:prstGeom prst="rect">
+            <a:avLst/>
+          </a:prstGeom>
+          <a:noFill/>
+        </p:spPr>
+        <p:txBody>
+          <a:bodyPr wrap="square" rtlCol="0">
+            <a:spAutoFit/>
+          </a:bodyPr>
+          <a:lstStyle/>
+          <a:p>
+            <a:pPr algn="ctr"/>
+            <a:r>
+              <a:rPr lang="en-AU" sz="2800" b="1" dirty="0">
+                <a:ln w="19050">
+                  <a:solidFill>
+                    <a:schemeClr val="bg1"/>
+                  </a:solidFill>
+                </a:ln>
+                <a:latin typeface="Montserrat Black" pitchFamily="2" charset="0"/>
+              </a:rPr>
+              <a:t>EVIDENCE OF</a:t>
+            </a:r>
+          </a:p>
+        </p:txBody>
+      </p:sp>
+      <p:sp>
+        <p:nvSpPr>
+          <p:cNvPr id="10" name="TextBox 9">
+            <a:extLst>
+              <a:ext uri="{FF2B5EF4-FFF2-40B4-BE49-F238E27FC236}">
+                <a16:creationId xmlns:a16="http://schemas.microsoft.com/office/drawing/2014/main" id="{4DD332AD-4A29-1F82-51B6-2E1CEF3FF10A}"/>
+              </a:ext>
+            </a:extLst>
+          </p:cNvPr>
+          <p:cNvSpPr txBox="1"/>
+          <p:nvPr/>
+        </p:nvSpPr>
+        <p:spPr>
+          <a:xfrm rot="5400000">
+            <a:off x="2853552" y="5430655"/>
+            <a:ext cx="2158953" cy="523220"/>
+          </a:xfrm>
+          <a:prstGeom prst="rect">
+            <a:avLst/>
+          </a:prstGeom>
+          <a:noFill/>
+        </p:spPr>
+        <p:txBody>
+          <a:bodyPr wrap="square" rtlCol="0">
+            <a:spAutoFit/>
+          </a:bodyPr>
+          <a:lstStyle/>
+          <a:p>
+            <a:pPr algn="ctr"/>
+            <a:r>
+              <a:rPr lang="en-AU" sz="2800" b="1" dirty="0">
+                <a:ln w="19050">
+                  <a:solidFill>
+                    <a:schemeClr val="bg1"/>
+                  </a:solidFill>
+                </a:ln>
+                <a:latin typeface="Montserrat Black" pitchFamily="2" charset="0"/>
+              </a:rPr>
+              <a:t>WORKING</a:t>
+            </a:r>
           </a:p>
         </p:txBody>
       </p:sp>
@@ -6369,8 +6646,8 @@
         </p:blipFill>
         <p:spPr>
           <a:xfrm>
-            <a:off x="6096000" y="1761976"/>
-            <a:ext cx="5380549" cy="1341442"/>
+            <a:off x="4412756" y="5565381"/>
+            <a:ext cx="4642337" cy="1157396"/>
           </a:xfrm>
           <a:prstGeom prst="rect">
             <a:avLst/>
@@ -6398,66 +6675,14 @@
         </p:blipFill>
         <p:spPr>
           <a:xfrm>
-            <a:off x="8530946" y="3968588"/>
-            <a:ext cx="2331008" cy="1914792"/>
+            <a:off x="9179923" y="3906544"/>
+            <a:ext cx="2173877" cy="1785718"/>
           </a:xfrm>
           <a:prstGeom prst="rect">
             <a:avLst/>
           </a:prstGeom>
         </p:spPr>
       </p:pic>
-      <p:sp>
-        <p:nvSpPr>
-          <p:cNvPr id="3" name="Rectangle 2">
-            <a:extLst>
-              <a:ext uri="{FF2B5EF4-FFF2-40B4-BE49-F238E27FC236}">
-                <a16:creationId xmlns:a16="http://schemas.microsoft.com/office/drawing/2014/main" id="{F3AA6173-0056-7780-01CB-9272EC9D818D}"/>
-              </a:ext>
-            </a:extLst>
-          </p:cNvPr>
-          <p:cNvSpPr/>
-          <p:nvPr/>
-        </p:nvSpPr>
-        <p:spPr>
-          <a:xfrm>
-            <a:off x="478091" y="4929967"/>
-            <a:ext cx="2973833" cy="1672781"/>
-          </a:xfrm>
-          <a:prstGeom prst="rect">
-            <a:avLst/>
-          </a:prstGeom>
-          <a:solidFill>
-            <a:srgbClr val="00FF00"/>
-          </a:solidFill>
-          <a:ln>
-            <a:noFill/>
-          </a:ln>
-        </p:spPr>
-        <p:style>
-          <a:lnRef idx="2">
-            <a:schemeClr val="accent1">
-              <a:shade val="15000"/>
-            </a:schemeClr>
-          </a:lnRef>
-          <a:fillRef idx="1">
-            <a:schemeClr val="accent1"/>
-          </a:fillRef>
-          <a:effectRef idx="0">
-            <a:schemeClr val="accent1"/>
-          </a:effectRef>
-          <a:fontRef idx="minor">
-            <a:schemeClr val="lt1"/>
-          </a:fontRef>
-        </p:style>
-        <p:txBody>
-          <a:bodyPr rtlCol="0" anchor="ctr"/>
-          <a:lstStyle/>
-          <a:p>
-            <a:pPr algn="ctr"/>
-            <a:endParaRPr lang="en-AU"/>
-          </a:p>
-        </p:txBody>
-      </p:sp>
       <p:pic>
         <p:nvPicPr>
           <p:cNvPr id="16" name="Picture 15">
@@ -6480,7 +6705,7 @@
         </p:blipFill>
         <p:spPr>
           <a:xfrm>
-            <a:off x="574919" y="2103144"/>
+            <a:off x="6334427" y="1382937"/>
             <a:ext cx="5019373" cy="2333774"/>
           </a:xfrm>
           <a:prstGeom prst="rect">
@@ -6503,13 +6728,13 @@
           <p:nvPr>
             <p:extLst>
               <p:ext uri="{D42A27DB-BD31-4B8C-83A1-F6EECF244321}">
-                <p14:modId xmlns:p14="http://schemas.microsoft.com/office/powerpoint/2010/main" val="2801855975"/>
+                <p14:modId xmlns:p14="http://schemas.microsoft.com/office/powerpoint/2010/main" val="3462635964"/>
               </p:ext>
             </p:extLst>
           </p:nvPr>
         </p:nvGraphicFramePr>
         <p:xfrm>
-          <a:off x="4252995" y="5013119"/>
+          <a:off x="4757778" y="3834827"/>
           <a:ext cx="2676443" cy="1506475"/>
         </p:xfrm>
         <a:graphic>
@@ -6817,7 +7042,7 @@
         </p:blipFill>
         <p:spPr>
           <a:xfrm>
-            <a:off x="4298177" y="5362575"/>
+            <a:off x="4802960" y="4184283"/>
             <a:ext cx="204902" cy="204902"/>
           </a:xfrm>
           <a:prstGeom prst="rect">
@@ -6853,7 +7078,7 @@
         </p:blipFill>
         <p:spPr>
           <a:xfrm>
-            <a:off x="4298177" y="5663905"/>
+            <a:off x="4802960" y="4485613"/>
             <a:ext cx="204902" cy="204902"/>
           </a:xfrm>
           <a:prstGeom prst="rect">
@@ -6889,7 +7114,7 @@
         </p:blipFill>
         <p:spPr>
           <a:xfrm>
-            <a:off x="4298177" y="5965235"/>
+            <a:off x="4802960" y="4786943"/>
             <a:ext cx="204902" cy="204902"/>
           </a:xfrm>
           <a:prstGeom prst="rect">
@@ -6925,7 +7150,7 @@
         </p:blipFill>
         <p:spPr>
           <a:xfrm>
-            <a:off x="4298177" y="6260455"/>
+            <a:off x="4802960" y="5082163"/>
             <a:ext cx="204902" cy="204902"/>
           </a:xfrm>
           <a:prstGeom prst="rect">
@@ -6933,6 +7158,226 @@
           </a:prstGeom>
         </p:spPr>
       </p:pic>
+      <p:sp>
+        <p:nvSpPr>
+          <p:cNvPr id="9" name="Rectangle 8">
+            <a:extLst>
+              <a:ext uri="{FF2B5EF4-FFF2-40B4-BE49-F238E27FC236}">
+                <a16:creationId xmlns:a16="http://schemas.microsoft.com/office/drawing/2014/main" id="{7A793727-D73F-16BE-46AA-34AD70B0185E}"/>
+              </a:ext>
+            </a:extLst>
+          </p:cNvPr>
+          <p:cNvSpPr/>
+          <p:nvPr/>
+        </p:nvSpPr>
+        <p:spPr>
+          <a:xfrm>
+            <a:off x="94886" y="4612785"/>
+            <a:ext cx="3838143" cy="2158955"/>
+          </a:xfrm>
+          <a:prstGeom prst="rect">
+            <a:avLst/>
+          </a:prstGeom>
+          <a:solidFill>
+            <a:srgbClr val="00FF00"/>
+          </a:solidFill>
+          <a:ln>
+            <a:noFill/>
+          </a:ln>
+        </p:spPr>
+        <p:style>
+          <a:lnRef idx="2">
+            <a:schemeClr val="accent1">
+              <a:shade val="15000"/>
+            </a:schemeClr>
+          </a:lnRef>
+          <a:fillRef idx="1">
+            <a:schemeClr val="accent1"/>
+          </a:fillRef>
+          <a:effectRef idx="0">
+            <a:schemeClr val="accent1"/>
+          </a:effectRef>
+          <a:fontRef idx="minor">
+            <a:schemeClr val="lt1"/>
+          </a:fontRef>
+        </p:style>
+        <p:txBody>
+          <a:bodyPr rtlCol="0" anchor="ctr"/>
+          <a:lstStyle/>
+          <a:p>
+            <a:pPr algn="ctr"/>
+            <a:endParaRPr lang="en-AU"/>
+          </a:p>
+        </p:txBody>
+      </p:sp>
+      <p:pic>
+        <p:nvPicPr>
+          <p:cNvPr id="11" name="Picture 10">
+            <a:extLst>
+              <a:ext uri="{FF2B5EF4-FFF2-40B4-BE49-F238E27FC236}">
+                <a16:creationId xmlns:a16="http://schemas.microsoft.com/office/drawing/2014/main" id="{8D4EE294-FC11-97A7-5E5C-644CE0915A6A}"/>
+              </a:ext>
+            </a:extLst>
+          </p:cNvPr>
+          <p:cNvPicPr>
+            <a:picLocks noChangeAspect="1"/>
+          </p:cNvPicPr>
+          <p:nvPr/>
+        </p:nvPicPr>
+        <p:blipFill>
+          <a:blip r:embed="rId7"/>
+          <a:stretch>
+            <a:fillRect/>
+          </a:stretch>
+        </p:blipFill>
+        <p:spPr>
+          <a:xfrm>
+            <a:off x="574919" y="491883"/>
+            <a:ext cx="4096322" cy="2848373"/>
+          </a:xfrm>
+          <a:prstGeom prst="rect">
+            <a:avLst/>
+          </a:prstGeom>
+        </p:spPr>
+      </p:pic>
+      <p:sp>
+        <p:nvSpPr>
+          <p:cNvPr id="3" name="Rectangle 2">
+            <a:extLst>
+              <a:ext uri="{FF2B5EF4-FFF2-40B4-BE49-F238E27FC236}">
+                <a16:creationId xmlns:a16="http://schemas.microsoft.com/office/drawing/2014/main" id="{E9B3EEE0-9CF3-A237-10CE-6D05C1EDFCA0}"/>
+              </a:ext>
+            </a:extLst>
+          </p:cNvPr>
+          <p:cNvSpPr/>
+          <p:nvPr/>
+        </p:nvSpPr>
+        <p:spPr>
+          <a:xfrm>
+            <a:off x="94886" y="4612785"/>
+            <a:ext cx="3838143" cy="2158955"/>
+          </a:xfrm>
+          <a:prstGeom prst="rect">
+            <a:avLst/>
+          </a:prstGeom>
+          <a:solidFill>
+            <a:srgbClr val="00FF00"/>
+          </a:solidFill>
+          <a:ln>
+            <a:noFill/>
+          </a:ln>
+        </p:spPr>
+        <p:style>
+          <a:lnRef idx="2">
+            <a:schemeClr val="accent1">
+              <a:shade val="15000"/>
+            </a:schemeClr>
+          </a:lnRef>
+          <a:fillRef idx="1">
+            <a:schemeClr val="accent1"/>
+          </a:fillRef>
+          <a:effectRef idx="0">
+            <a:schemeClr val="accent1"/>
+          </a:effectRef>
+          <a:fontRef idx="minor">
+            <a:schemeClr val="lt1"/>
+          </a:fontRef>
+        </p:style>
+        <p:txBody>
+          <a:bodyPr rtlCol="0" anchor="ctr"/>
+          <a:lstStyle/>
+          <a:p>
+            <a:pPr algn="ctr"/>
+            <a:endParaRPr lang="en-AU"/>
+          </a:p>
+        </p:txBody>
+      </p:sp>
+      <p:sp>
+        <p:nvSpPr>
+          <p:cNvPr id="4" name="TextBox 3">
+            <a:extLst>
+              <a:ext uri="{FF2B5EF4-FFF2-40B4-BE49-F238E27FC236}">
+                <a16:creationId xmlns:a16="http://schemas.microsoft.com/office/drawing/2014/main" id="{82FB31B5-0190-766B-382D-6A8E85175AC8}"/>
+              </a:ext>
+            </a:extLst>
+          </p:cNvPr>
+          <p:cNvSpPr txBox="1"/>
+          <p:nvPr/>
+        </p:nvSpPr>
+        <p:spPr>
+          <a:xfrm>
+            <a:off x="1078302" y="4351175"/>
+            <a:ext cx="2854727" cy="523220"/>
+          </a:xfrm>
+          <a:prstGeom prst="rect">
+            <a:avLst/>
+          </a:prstGeom>
+          <a:noFill/>
+        </p:spPr>
+        <p:txBody>
+          <a:bodyPr wrap="square" rtlCol="0">
+            <a:spAutoFit/>
+          </a:bodyPr>
+          <a:lstStyle/>
+          <a:p>
+            <a:pPr algn="ctr"/>
+            <a:r>
+              <a:rPr lang="en-AU" sz="2800" b="1" dirty="0">
+                <a:ln w="19050">
+                  <a:solidFill>
+                    <a:schemeClr val="bg1"/>
+                  </a:solidFill>
+                </a:ln>
+                <a:latin typeface="Montserrat Black" pitchFamily="2" charset="0"/>
+              </a:rPr>
+              <a:t>EVIDENCE OF</a:t>
+            </a:r>
+          </a:p>
+        </p:txBody>
+      </p:sp>
+      <p:sp>
+        <p:nvSpPr>
+          <p:cNvPr id="7" name="TextBox 6">
+            <a:extLst>
+              <a:ext uri="{FF2B5EF4-FFF2-40B4-BE49-F238E27FC236}">
+                <a16:creationId xmlns:a16="http://schemas.microsoft.com/office/drawing/2014/main" id="{8A68A1B5-1986-11DB-B8EF-965C2AFED800}"/>
+              </a:ext>
+            </a:extLst>
+          </p:cNvPr>
+          <p:cNvSpPr txBox="1"/>
+          <p:nvPr/>
+        </p:nvSpPr>
+        <p:spPr>
+          <a:xfrm rot="5400000">
+            <a:off x="2853552" y="5430655"/>
+            <a:ext cx="2158953" cy="523220"/>
+          </a:xfrm>
+          <a:prstGeom prst="rect">
+            <a:avLst/>
+          </a:prstGeom>
+          <a:noFill/>
+        </p:spPr>
+        <p:txBody>
+          <a:bodyPr wrap="square" rtlCol="0">
+            <a:spAutoFit/>
+          </a:bodyPr>
+          <a:lstStyle/>
+          <a:p>
+            <a:pPr algn="ctr"/>
+            <a:r>
+              <a:rPr lang="en-AU" sz="2800" b="1" dirty="0">
+                <a:ln w="19050">
+                  <a:solidFill>
+                    <a:schemeClr val="bg1"/>
+                  </a:solidFill>
+                </a:ln>
+                <a:latin typeface="Montserrat Black" pitchFamily="2" charset="0"/>
+              </a:rPr>
+              <a:t>WORKING</a:t>
+            </a:r>
+          </a:p>
+        </p:txBody>
+      </p:sp>
     </p:spTree>
     <p:extLst>
       <p:ext uri="{BB962C8B-B14F-4D97-AF65-F5344CB8AC3E}">
@@ -7000,12 +7445,102 @@
           </a:p>
         </p:txBody>
       </p:sp>
-      <p:sp>
-        <p:nvSpPr>
-          <p:cNvPr id="3" name="Rectangle 2">
-            <a:extLst>
-              <a:ext uri="{FF2B5EF4-FFF2-40B4-BE49-F238E27FC236}">
-                <a16:creationId xmlns:a16="http://schemas.microsoft.com/office/drawing/2014/main" id="{F3AA6173-0056-7780-01CB-9272EC9D818D}"/>
+      <p:pic>
+        <p:nvPicPr>
+          <p:cNvPr id="10" name="Picture 9">
+            <a:extLst>
+              <a:ext uri="{FF2B5EF4-FFF2-40B4-BE49-F238E27FC236}">
+                <a16:creationId xmlns:a16="http://schemas.microsoft.com/office/drawing/2014/main" id="{8CCACCAB-682B-D075-FAD0-1272EFA9D99E}"/>
+              </a:ext>
+            </a:extLst>
+          </p:cNvPr>
+          <p:cNvPicPr>
+            <a:picLocks noChangeAspect="1"/>
+          </p:cNvPicPr>
+          <p:nvPr/>
+        </p:nvPicPr>
+        <p:blipFill>
+          <a:blip r:embed="rId2"/>
+          <a:stretch>
+            <a:fillRect/>
+          </a:stretch>
+        </p:blipFill>
+        <p:spPr>
+          <a:xfrm>
+            <a:off x="629006" y="2448596"/>
+            <a:ext cx="2882794" cy="1730748"/>
+          </a:xfrm>
+          <a:prstGeom prst="rect">
+            <a:avLst/>
+          </a:prstGeom>
+        </p:spPr>
+      </p:pic>
+      <p:pic>
+        <p:nvPicPr>
+          <p:cNvPr id="12" name="Picture 11">
+            <a:extLst>
+              <a:ext uri="{FF2B5EF4-FFF2-40B4-BE49-F238E27FC236}">
+                <a16:creationId xmlns:a16="http://schemas.microsoft.com/office/drawing/2014/main" id="{E30361A4-024C-B4AD-F6FE-D70C9D185F14}"/>
+              </a:ext>
+            </a:extLst>
+          </p:cNvPr>
+          <p:cNvPicPr>
+            <a:picLocks noChangeAspect="1"/>
+          </p:cNvPicPr>
+          <p:nvPr/>
+        </p:nvPicPr>
+        <p:blipFill>
+          <a:blip r:embed="rId3"/>
+          <a:stretch>
+            <a:fillRect/>
+          </a:stretch>
+        </p:blipFill>
+        <p:spPr>
+          <a:xfrm>
+            <a:off x="4482198" y="2446238"/>
+            <a:ext cx="7080796" cy="4130964"/>
+          </a:xfrm>
+          <a:prstGeom prst="rect">
+            <a:avLst/>
+          </a:prstGeom>
+        </p:spPr>
+      </p:pic>
+      <p:pic>
+        <p:nvPicPr>
+          <p:cNvPr id="14" name="Picture 13">
+            <a:extLst>
+              <a:ext uri="{FF2B5EF4-FFF2-40B4-BE49-F238E27FC236}">
+                <a16:creationId xmlns:a16="http://schemas.microsoft.com/office/drawing/2014/main" id="{2B4525D9-8A66-2A56-4964-794F1C21E8E3}"/>
+              </a:ext>
+            </a:extLst>
+          </p:cNvPr>
+          <p:cNvPicPr>
+            <a:picLocks noChangeAspect="1"/>
+          </p:cNvPicPr>
+          <p:nvPr/>
+        </p:nvPicPr>
+        <p:blipFill>
+          <a:blip r:embed="rId4"/>
+          <a:stretch>
+            <a:fillRect/>
+          </a:stretch>
+        </p:blipFill>
+        <p:spPr>
+          <a:xfrm>
+            <a:off x="4047328" y="231700"/>
+            <a:ext cx="2632969" cy="1831159"/>
+          </a:xfrm>
+          <a:prstGeom prst="rect">
+            <a:avLst/>
+          </a:prstGeom>
+        </p:spPr>
+      </p:pic>
+      <p:sp>
+        <p:nvSpPr>
+          <p:cNvPr id="7" name="Rectangle 6">
+            <a:extLst>
+              <a:ext uri="{FF2B5EF4-FFF2-40B4-BE49-F238E27FC236}">
+                <a16:creationId xmlns:a16="http://schemas.microsoft.com/office/drawing/2014/main" id="{43CD0BCB-4304-D323-8A21-81F17AF9A43F}"/>
               </a:ext>
             </a:extLst>
           </p:cNvPr>
@@ -7014,8 +7549,8 @@
         </p:nvSpPr>
         <p:spPr>
           <a:xfrm>
-            <a:off x="478091" y="4929967"/>
-            <a:ext cx="2973833" cy="1672781"/>
+            <a:off x="94886" y="4612785"/>
+            <a:ext cx="3838143" cy="2158955"/>
           </a:xfrm>
           <a:prstGeom prst="rect">
             <a:avLst/>
@@ -7054,100 +7589,10 @@
       </p:sp>
       <p:pic>
         <p:nvPicPr>
-          <p:cNvPr id="8" name="Picture 7">
-            <a:extLst>
-              <a:ext uri="{FF2B5EF4-FFF2-40B4-BE49-F238E27FC236}">
-                <a16:creationId xmlns:a16="http://schemas.microsoft.com/office/drawing/2014/main" id="{F691720E-3E7C-B6A9-A217-34624246C7AC}"/>
-              </a:ext>
-            </a:extLst>
-          </p:cNvPr>
-          <p:cNvPicPr>
-            <a:picLocks noChangeAspect="1"/>
-          </p:cNvPicPr>
-          <p:nvPr/>
-        </p:nvPicPr>
-        <p:blipFill>
-          <a:blip r:embed="rId2"/>
-          <a:stretch>
-            <a:fillRect/>
-          </a:stretch>
-        </p:blipFill>
-        <p:spPr>
-          <a:xfrm>
-            <a:off x="629005" y="231700"/>
-            <a:ext cx="2882794" cy="1955799"/>
-          </a:xfrm>
-          <a:prstGeom prst="rect">
-            <a:avLst/>
-          </a:prstGeom>
-        </p:spPr>
-      </p:pic>
-      <p:pic>
-        <p:nvPicPr>
-          <p:cNvPr id="10" name="Picture 9">
-            <a:extLst>
-              <a:ext uri="{FF2B5EF4-FFF2-40B4-BE49-F238E27FC236}">
-                <a16:creationId xmlns:a16="http://schemas.microsoft.com/office/drawing/2014/main" id="{8CCACCAB-682B-D075-FAD0-1272EFA9D99E}"/>
-              </a:ext>
-            </a:extLst>
-          </p:cNvPr>
-          <p:cNvPicPr>
-            <a:picLocks noChangeAspect="1"/>
-          </p:cNvPicPr>
-          <p:nvPr/>
-        </p:nvPicPr>
-        <p:blipFill>
-          <a:blip r:embed="rId3"/>
-          <a:stretch>
-            <a:fillRect/>
-          </a:stretch>
-        </p:blipFill>
-        <p:spPr>
-          <a:xfrm>
-            <a:off x="629005" y="2693359"/>
-            <a:ext cx="2882794" cy="1730748"/>
-          </a:xfrm>
-          <a:prstGeom prst="rect">
-            <a:avLst/>
-          </a:prstGeom>
-        </p:spPr>
-      </p:pic>
-      <p:pic>
-        <p:nvPicPr>
-          <p:cNvPr id="12" name="Picture 11">
-            <a:extLst>
-              <a:ext uri="{FF2B5EF4-FFF2-40B4-BE49-F238E27FC236}">
-                <a16:creationId xmlns:a16="http://schemas.microsoft.com/office/drawing/2014/main" id="{E30361A4-024C-B4AD-F6FE-D70C9D185F14}"/>
-              </a:ext>
-            </a:extLst>
-          </p:cNvPr>
-          <p:cNvPicPr>
-            <a:picLocks noChangeAspect="1"/>
-          </p:cNvPicPr>
-          <p:nvPr/>
-        </p:nvPicPr>
-        <p:blipFill>
-          <a:blip r:embed="rId4"/>
-          <a:stretch>
-            <a:fillRect/>
-          </a:stretch>
-        </p:blipFill>
-        <p:spPr>
-          <a:xfrm>
-            <a:off x="4047328" y="2218078"/>
-            <a:ext cx="7515666" cy="4384669"/>
-          </a:xfrm>
-          <a:prstGeom prst="rect">
-            <a:avLst/>
-          </a:prstGeom>
-        </p:spPr>
-      </p:pic>
-      <p:pic>
-        <p:nvPicPr>
-          <p:cNvPr id="14" name="Picture 13">
-            <a:extLst>
-              <a:ext uri="{FF2B5EF4-FFF2-40B4-BE49-F238E27FC236}">
-                <a16:creationId xmlns:a16="http://schemas.microsoft.com/office/drawing/2014/main" id="{2B4525D9-8A66-2A56-4964-794F1C21E8E3}"/>
+          <p:cNvPr id="15" name="Picture 14" descr="A screenshot of a computer game&#10;&#10;Description automatically generated">
+            <a:extLst>
+              <a:ext uri="{FF2B5EF4-FFF2-40B4-BE49-F238E27FC236}">
+                <a16:creationId xmlns:a16="http://schemas.microsoft.com/office/drawing/2014/main" id="{178B8B20-0119-8968-CC52-FBEEC3892F24}"/>
               </a:ext>
             </a:extLst>
           </p:cNvPr>
@@ -7164,14 +7609,152 @@
         </p:blipFill>
         <p:spPr>
           <a:xfrm>
-            <a:off x="4047328" y="231700"/>
-            <a:ext cx="2632969" cy="1831159"/>
+            <a:off x="629006" y="231700"/>
+            <a:ext cx="2882794" cy="1955286"/>
           </a:xfrm>
           <a:prstGeom prst="rect">
             <a:avLst/>
           </a:prstGeom>
         </p:spPr>
       </p:pic>
+      <p:sp>
+        <p:nvSpPr>
+          <p:cNvPr id="6" name="Rectangle 5">
+            <a:extLst>
+              <a:ext uri="{FF2B5EF4-FFF2-40B4-BE49-F238E27FC236}">
+                <a16:creationId xmlns:a16="http://schemas.microsoft.com/office/drawing/2014/main" id="{623E4E9B-B278-A252-2B4B-6D59F63C6F58}"/>
+              </a:ext>
+            </a:extLst>
+          </p:cNvPr>
+          <p:cNvSpPr/>
+          <p:nvPr/>
+        </p:nvSpPr>
+        <p:spPr>
+          <a:xfrm>
+            <a:off x="94886" y="4612785"/>
+            <a:ext cx="3838143" cy="2158955"/>
+          </a:xfrm>
+          <a:prstGeom prst="rect">
+            <a:avLst/>
+          </a:prstGeom>
+          <a:solidFill>
+            <a:srgbClr val="00FF00"/>
+          </a:solidFill>
+          <a:ln>
+            <a:noFill/>
+          </a:ln>
+        </p:spPr>
+        <p:style>
+          <a:lnRef idx="2">
+            <a:schemeClr val="accent1">
+              <a:shade val="15000"/>
+            </a:schemeClr>
+          </a:lnRef>
+          <a:fillRef idx="1">
+            <a:schemeClr val="accent1"/>
+          </a:fillRef>
+          <a:effectRef idx="0">
+            <a:schemeClr val="accent1"/>
+          </a:effectRef>
+          <a:fontRef idx="minor">
+            <a:schemeClr val="lt1"/>
+          </a:fontRef>
+        </p:style>
+        <p:txBody>
+          <a:bodyPr rtlCol="0" anchor="ctr"/>
+          <a:lstStyle/>
+          <a:p>
+            <a:pPr algn="ctr"/>
+            <a:endParaRPr lang="en-AU"/>
+          </a:p>
+        </p:txBody>
+      </p:sp>
+      <p:sp>
+        <p:nvSpPr>
+          <p:cNvPr id="8" name="TextBox 7">
+            <a:extLst>
+              <a:ext uri="{FF2B5EF4-FFF2-40B4-BE49-F238E27FC236}">
+                <a16:creationId xmlns:a16="http://schemas.microsoft.com/office/drawing/2014/main" id="{E2D9243D-998E-A914-22C3-F6ED27A87FE1}"/>
+              </a:ext>
+            </a:extLst>
+          </p:cNvPr>
+          <p:cNvSpPr txBox="1"/>
+          <p:nvPr/>
+        </p:nvSpPr>
+        <p:spPr>
+          <a:xfrm>
+            <a:off x="1078302" y="4351175"/>
+            <a:ext cx="2854727" cy="523220"/>
+          </a:xfrm>
+          <a:prstGeom prst="rect">
+            <a:avLst/>
+          </a:prstGeom>
+          <a:noFill/>
+        </p:spPr>
+        <p:txBody>
+          <a:bodyPr wrap="square" rtlCol="0">
+            <a:spAutoFit/>
+          </a:bodyPr>
+          <a:lstStyle/>
+          <a:p>
+            <a:pPr algn="ctr"/>
+            <a:r>
+              <a:rPr lang="en-AU" sz="2800" b="1" dirty="0">
+                <a:ln w="19050">
+                  <a:solidFill>
+                    <a:schemeClr val="bg1"/>
+                  </a:solidFill>
+                </a:ln>
+                <a:latin typeface="Montserrat Black" pitchFamily="2" charset="0"/>
+              </a:rPr>
+              <a:t>EVIDENCE OF</a:t>
+            </a:r>
+          </a:p>
+        </p:txBody>
+      </p:sp>
+      <p:sp>
+        <p:nvSpPr>
+          <p:cNvPr id="9" name="TextBox 8">
+            <a:extLst>
+              <a:ext uri="{FF2B5EF4-FFF2-40B4-BE49-F238E27FC236}">
+                <a16:creationId xmlns:a16="http://schemas.microsoft.com/office/drawing/2014/main" id="{C63CD983-BD15-67E4-8981-12AAD3312B7B}"/>
+              </a:ext>
+            </a:extLst>
+          </p:cNvPr>
+          <p:cNvSpPr txBox="1"/>
+          <p:nvPr/>
+        </p:nvSpPr>
+        <p:spPr>
+          <a:xfrm rot="5400000">
+            <a:off x="2853552" y="5430655"/>
+            <a:ext cx="2158953" cy="523220"/>
+          </a:xfrm>
+          <a:prstGeom prst="rect">
+            <a:avLst/>
+          </a:prstGeom>
+          <a:noFill/>
+        </p:spPr>
+        <p:txBody>
+          <a:bodyPr wrap="square" rtlCol="0">
+            <a:spAutoFit/>
+          </a:bodyPr>
+          <a:lstStyle/>
+          <a:p>
+            <a:pPr algn="ctr"/>
+            <a:r>
+              <a:rPr lang="en-AU" sz="2800" b="1" dirty="0">
+                <a:ln w="19050">
+                  <a:solidFill>
+                    <a:schemeClr val="bg1"/>
+                  </a:solidFill>
+                </a:ln>
+                <a:latin typeface="Montserrat Black" pitchFamily="2" charset="0"/>
+              </a:rPr>
+              <a:t>WORKING</a:t>
+            </a:r>
+          </a:p>
+        </p:txBody>
+      </p:sp>
     </p:spTree>
     <p:extLst>
       <p:ext uri="{BB962C8B-B14F-4D97-AF65-F5344CB8AC3E}">
@@ -7220,8 +7803,8 @@
         </p:nvSpPr>
         <p:spPr>
           <a:xfrm>
-            <a:off x="838200" y="572159"/>
-            <a:ext cx="6391275" cy="799441"/>
+            <a:off x="190500" y="115770"/>
+            <a:ext cx="7493000" cy="799441"/>
           </a:xfrm>
         </p:spPr>
         <p:txBody>
@@ -7247,10 +7830,10 @@
       </p:sp>
       <p:pic>
         <p:nvPicPr>
-          <p:cNvPr id="6" name="Picture 5">
-            <a:extLst>
-              <a:ext uri="{FF2B5EF4-FFF2-40B4-BE49-F238E27FC236}">
-                <a16:creationId xmlns:a16="http://schemas.microsoft.com/office/drawing/2014/main" id="{5E6D60EF-0080-5E6E-CC61-6201F795FB39}"/>
+          <p:cNvPr id="8" name="Picture 7">
+            <a:extLst>
+              <a:ext uri="{FF2B5EF4-FFF2-40B4-BE49-F238E27FC236}">
+                <a16:creationId xmlns:a16="http://schemas.microsoft.com/office/drawing/2014/main" id="{DFAD7EBB-468D-343F-7235-01AF8DEFB9DA}"/>
               </a:ext>
             </a:extLst>
           </p:cNvPr>
@@ -7267,8 +7850,8 @@
         </p:blipFill>
         <p:spPr>
           <a:xfrm>
-            <a:off x="2161913" y="2042919"/>
-            <a:ext cx="3743847" cy="2772162"/>
+            <a:off x="8186479" y="0"/>
+            <a:ext cx="2560208" cy="6858000"/>
           </a:xfrm>
           <a:prstGeom prst="rect">
             <a:avLst/>
@@ -7277,10 +7860,10 @@
       </p:pic>
       <p:pic>
         <p:nvPicPr>
-          <p:cNvPr id="8" name="Picture 7">
-            <a:extLst>
-              <a:ext uri="{FF2B5EF4-FFF2-40B4-BE49-F238E27FC236}">
-                <a16:creationId xmlns:a16="http://schemas.microsoft.com/office/drawing/2014/main" id="{DFAD7EBB-468D-343F-7235-01AF8DEFB9DA}"/>
+          <p:cNvPr id="4" name="Picture 3">
+            <a:extLst>
+              <a:ext uri="{FF2B5EF4-FFF2-40B4-BE49-F238E27FC236}">
+                <a16:creationId xmlns:a16="http://schemas.microsoft.com/office/drawing/2014/main" id="{50D611E3-9F5E-DF7C-F2E9-3163E03F44DA}"/>
               </a:ext>
             </a:extLst>
           </p:cNvPr>
@@ -7297,14 +7880,77 @@
         </p:blipFill>
         <p:spPr>
           <a:xfrm>
-            <a:off x="8186479" y="0"/>
-            <a:ext cx="2560208" cy="6858000"/>
+            <a:off x="1780860" y="971879"/>
+            <a:ext cx="4505954" cy="3667637"/>
           </a:xfrm>
           <a:prstGeom prst="rect">
             <a:avLst/>
           </a:prstGeom>
         </p:spPr>
       </p:pic>
+      <p:graphicFrame>
+        <p:nvGraphicFramePr>
+          <p:cNvPr id="12" name="Object 11">
+            <a:extLst>
+              <a:ext uri="{FF2B5EF4-FFF2-40B4-BE49-F238E27FC236}">
+                <a16:creationId xmlns:a16="http://schemas.microsoft.com/office/drawing/2014/main" id="{06C66E2D-989E-8BFB-9DB7-6B6EC6E5BC31}"/>
+              </a:ext>
+            </a:extLst>
+          </p:cNvPr>
+          <p:cNvGraphicFramePr>
+            <a:graphicFrameLocks noChangeAspect="1"/>
+          </p:cNvGraphicFramePr>
+          <p:nvPr>
+            <p:extLst>
+              <p:ext uri="{D42A27DB-BD31-4B8C-83A1-F6EECF244321}">
+                <p14:modId xmlns:p14="http://schemas.microsoft.com/office/powerpoint/2010/main" val="1151722803"/>
+              </p:ext>
+            </p:extLst>
+          </p:nvPr>
+        </p:nvGraphicFramePr>
+        <p:xfrm>
+          <a:off x="1276350" y="4752852"/>
+          <a:ext cx="5953125" cy="1924050"/>
+        </p:xfrm>
+        <a:graphic>
+          <a:graphicData uri="http://schemas.openxmlformats.org/presentationml/2006/ole">
+            <mc:AlternateContent xmlns:mc="http://schemas.openxmlformats.org/markup-compatibility/2006">
+              <mc:Choice xmlns:v="urn:schemas-microsoft-com:vml" Requires="v">
+                <p:oleObj name="Worksheet" r:id="rId4" imgW="5953150" imgH="1924166" progId="Excel.Sheet.12">
+                  <p:embed/>
+                </p:oleObj>
+              </mc:Choice>
+              <mc:Fallback>
+                <p:oleObj name="Worksheet" r:id="rId4" imgW="5953150" imgH="1924166" progId="Excel.Sheet.12">
+                  <p:embed/>
+                  <p:pic>
+                    <p:nvPicPr>
+                      <p:cNvPr id="0" name=""/>
+                      <p:cNvPicPr/>
+                      <p:nvPr/>
+                    </p:nvPicPr>
+                    <p:blipFill>
+                      <a:blip r:embed="rId5"/>
+                      <a:stretch>
+                        <a:fillRect/>
+                      </a:stretch>
+                    </p:blipFill>
+                    <p:spPr>
+                      <a:xfrm>
+                        <a:off x="1276350" y="4752852"/>
+                        <a:ext cx="5953125" cy="1924050"/>
+                      </a:xfrm>
+                      <a:prstGeom prst="rect">
+                        <a:avLst/>
+                      </a:prstGeom>
+                    </p:spPr>
+                  </p:pic>
+                </p:oleObj>
+              </mc:Fallback>
+            </mc:AlternateContent>
+          </a:graphicData>
+        </a:graphic>
+      </p:graphicFrame>
     </p:spTree>
     <p:extLst>
       <p:ext uri="{BB962C8B-B14F-4D97-AF65-F5344CB8AC3E}">
@@ -7319,6 +7965,193 @@
 </file>
 
 <file path=ppt/slides/slide15.xml><?xml version="1.0" encoding="utf-8"?>
+<p:sld xmlns:a="http://schemas.openxmlformats.org/drawingml/2006/main" xmlns:r="http://schemas.openxmlformats.org/officeDocument/2006/relationships" xmlns:p="http://schemas.openxmlformats.org/presentationml/2006/main">
+  <p:cSld>
+    <p:spTree>
+      <p:nvGrpSpPr>
+        <p:cNvPr id="1" name=""/>
+        <p:cNvGrpSpPr/>
+        <p:nvPr/>
+      </p:nvGrpSpPr>
+      <p:grpSpPr>
+        <a:xfrm>
+          <a:off x="0" y="0"/>
+          <a:ext cx="0" cy="0"/>
+          <a:chOff x="0" y="0"/>
+          <a:chExt cx="0" cy="0"/>
+        </a:xfrm>
+      </p:grpSpPr>
+      <p:sp>
+        <p:nvSpPr>
+          <p:cNvPr id="3" name="Slide Number Placeholder 2">
+            <a:extLst>
+              <a:ext uri="{FF2B5EF4-FFF2-40B4-BE49-F238E27FC236}">
+                <a16:creationId xmlns:a16="http://schemas.microsoft.com/office/drawing/2014/main" id="{7D7EB88F-1A01-E8A6-5920-9F0193FEA578}"/>
+              </a:ext>
+            </a:extLst>
+          </p:cNvPr>
+          <p:cNvSpPr>
+            <a:spLocks noGrp="1"/>
+          </p:cNvSpPr>
+          <p:nvPr>
+            <p:ph type="sldNum" sz="quarter" idx="11"/>
+          </p:nvPr>
+        </p:nvSpPr>
+        <p:spPr/>
+        <p:txBody>
+          <a:bodyPr/>
+          <a:lstStyle/>
+          <a:p>
+            <a:fld id="{8C2E478F-E849-4A8C-AF1F-CBCC78A7CBFA}" type="slidenum">
+              <a:rPr lang="en-US" smtClean="0"/>
+              <a:t>15</a:t>
+            </a:fld>
+            <a:endParaRPr lang="en-US" dirty="0"/>
+          </a:p>
+        </p:txBody>
+      </p:sp>
+      <p:sp>
+        <p:nvSpPr>
+          <p:cNvPr id="2" name="Rectangle 1">
+            <a:extLst>
+              <a:ext uri="{FF2B5EF4-FFF2-40B4-BE49-F238E27FC236}">
+                <a16:creationId xmlns:a16="http://schemas.microsoft.com/office/drawing/2014/main" id="{EE9D085E-66EE-B834-F34C-0DD993CE2D0B}"/>
+              </a:ext>
+            </a:extLst>
+          </p:cNvPr>
+          <p:cNvSpPr/>
+          <p:nvPr/>
+        </p:nvSpPr>
+        <p:spPr>
+          <a:xfrm>
+            <a:off x="94886" y="4612785"/>
+            <a:ext cx="3838143" cy="2158955"/>
+          </a:xfrm>
+          <a:prstGeom prst="rect">
+            <a:avLst/>
+          </a:prstGeom>
+          <a:solidFill>
+            <a:srgbClr val="00FF00"/>
+          </a:solidFill>
+          <a:ln>
+            <a:noFill/>
+          </a:ln>
+        </p:spPr>
+        <p:style>
+          <a:lnRef idx="2">
+            <a:schemeClr val="accent1">
+              <a:shade val="15000"/>
+            </a:schemeClr>
+          </a:lnRef>
+          <a:fillRef idx="1">
+            <a:schemeClr val="accent1"/>
+          </a:fillRef>
+          <a:effectRef idx="0">
+            <a:schemeClr val="accent1"/>
+          </a:effectRef>
+          <a:fontRef idx="minor">
+            <a:schemeClr val="lt1"/>
+          </a:fontRef>
+        </p:style>
+        <p:txBody>
+          <a:bodyPr rtlCol="0" anchor="ctr"/>
+          <a:lstStyle/>
+          <a:p>
+            <a:pPr algn="ctr"/>
+            <a:endParaRPr lang="en-AU"/>
+          </a:p>
+        </p:txBody>
+      </p:sp>
+      <p:sp>
+        <p:nvSpPr>
+          <p:cNvPr id="4" name="TextBox 3">
+            <a:extLst>
+              <a:ext uri="{FF2B5EF4-FFF2-40B4-BE49-F238E27FC236}">
+                <a16:creationId xmlns:a16="http://schemas.microsoft.com/office/drawing/2014/main" id="{5A60ADC7-29B2-F5EB-8CE2-B1FA6CB1DC86}"/>
+              </a:ext>
+            </a:extLst>
+          </p:cNvPr>
+          <p:cNvSpPr txBox="1"/>
+          <p:nvPr/>
+        </p:nvSpPr>
+        <p:spPr>
+          <a:xfrm>
+            <a:off x="1078302" y="4351175"/>
+            <a:ext cx="2854727" cy="523220"/>
+          </a:xfrm>
+          <a:prstGeom prst="rect">
+            <a:avLst/>
+          </a:prstGeom>
+          <a:noFill/>
+        </p:spPr>
+        <p:txBody>
+          <a:bodyPr wrap="square" rtlCol="0">
+            <a:spAutoFit/>
+          </a:bodyPr>
+          <a:lstStyle/>
+          <a:p>
+            <a:pPr algn="ctr"/>
+            <a:r>
+              <a:rPr lang="en-AU" sz="2800" b="1" dirty="0">
+                <a:latin typeface="Montserrat Black" pitchFamily="2" charset="0"/>
+              </a:rPr>
+              <a:t>EVIDENCE OF</a:t>
+            </a:r>
+          </a:p>
+        </p:txBody>
+      </p:sp>
+      <p:sp>
+        <p:nvSpPr>
+          <p:cNvPr id="5" name="TextBox 4">
+            <a:extLst>
+              <a:ext uri="{FF2B5EF4-FFF2-40B4-BE49-F238E27FC236}">
+                <a16:creationId xmlns:a16="http://schemas.microsoft.com/office/drawing/2014/main" id="{C056B318-BA59-9A6D-7CD9-84445A742EAD}"/>
+              </a:ext>
+            </a:extLst>
+          </p:cNvPr>
+          <p:cNvSpPr txBox="1"/>
+          <p:nvPr/>
+        </p:nvSpPr>
+        <p:spPr>
+          <a:xfrm rot="5400000">
+            <a:off x="2853552" y="5430655"/>
+            <a:ext cx="2158953" cy="523220"/>
+          </a:xfrm>
+          <a:prstGeom prst="rect">
+            <a:avLst/>
+          </a:prstGeom>
+          <a:noFill/>
+        </p:spPr>
+        <p:txBody>
+          <a:bodyPr wrap="square" rtlCol="0">
+            <a:spAutoFit/>
+          </a:bodyPr>
+          <a:lstStyle/>
+          <a:p>
+            <a:pPr algn="ctr"/>
+            <a:r>
+              <a:rPr lang="en-AU" sz="2800" b="1" dirty="0">
+                <a:latin typeface="Montserrat Black" pitchFamily="2" charset="0"/>
+              </a:rPr>
+              <a:t>WORKING</a:t>
+            </a:r>
+          </a:p>
+        </p:txBody>
+      </p:sp>
+    </p:spTree>
+    <p:extLst>
+      <p:ext uri="{BB962C8B-B14F-4D97-AF65-F5344CB8AC3E}">
+        <p14:creationId xmlns:p14="http://schemas.microsoft.com/office/powerpoint/2010/main" val="942782935"/>
+      </p:ext>
+    </p:extLst>
+  </p:cSld>
+  <p:clrMapOvr>
+    <a:masterClrMapping/>
+  </p:clrMapOvr>
+</p:sld>
+</file>
+
+<file path=ppt/slides/slide16.xml><?xml version="1.0" encoding="utf-8"?>
 <p:sld xmlns:a="http://schemas.openxmlformats.org/drawingml/2006/main" xmlns:r="http://schemas.openxmlformats.org/officeDocument/2006/relationships" xmlns:p="http://schemas.openxmlformats.org/presentationml/2006/main">
   <p:cSld>
     <p:spTree>
@@ -11150,7 +11983,7 @@
         </p:blipFill>
         <p:spPr>
           <a:xfrm>
-            <a:off x="1267823" y="1371600"/>
+            <a:off x="1267823" y="1975449"/>
             <a:ext cx="4839375" cy="3353268"/>
           </a:xfrm>
           <a:prstGeom prst="rect">
